--- a/Appendix/Bracket.pptx
+++ b/Appendix/Bracket.pptx
@@ -119,7 +119,7 @@
 <file path=ppt/revisionInfo.xml><?xml version="1.0" encoding="utf-8"?>
 <p1510:revInfo xmlns:a="http://schemas.openxmlformats.org/drawingml/2006/main" xmlns:r="http://schemas.openxmlformats.org/officeDocument/2006/relationships" xmlns:p1510="http://schemas.microsoft.com/office/powerpoint/2015/10/main">
   <p1510:revLst>
-    <p1510:client id="{FC1E8CA4-A29E-465C-A5E2-23D3F82D44AC}" v="187" dt="2023-08-06T04:01:49.888"/>
+    <p1510:client id="{FC1E8CA4-A29E-465C-A5E2-23D3F82D44AC}" v="189" dt="2023-08-06T13:04:36.051"/>
   </p1510:revLst>
 </p1510:revInfo>
 </file>
@@ -129,7 +129,7 @@
   <pc:docChgLst>
     <pc:chgData name="Gowtham Senthilkumar" userId="7cc18b5ff11cdd95" providerId="LiveId" clId="{FC1E8CA4-A29E-465C-A5E2-23D3F82D44AC}"/>
     <pc:docChg chg="addSld delSld modSld sldOrd">
-      <pc:chgData name="Gowtham Senthilkumar" userId="7cc18b5ff11cdd95" providerId="LiveId" clId="{FC1E8CA4-A29E-465C-A5E2-23D3F82D44AC}" dt="2023-08-06T04:01:49.886" v="188" actId="1076"/>
+      <pc:chgData name="Gowtham Senthilkumar" userId="7cc18b5ff11cdd95" providerId="LiveId" clId="{FC1E8CA4-A29E-465C-A5E2-23D3F82D44AC}" dt="2023-08-06T13:04:36.050" v="190" actId="1076"/>
       <pc:docMkLst>
         <pc:docMk/>
       </pc:docMkLst>
@@ -864,7 +864,7 @@
         </pc:sldMkLst>
       </pc:sldChg>
       <pc:sldChg chg="addSp modSp add ord">
-        <pc:chgData name="Gowtham Senthilkumar" userId="7cc18b5ff11cdd95" providerId="LiveId" clId="{FC1E8CA4-A29E-465C-A5E2-23D3F82D44AC}" dt="2023-08-06T04:01:49.886" v="188" actId="1076"/>
+        <pc:chgData name="Gowtham Senthilkumar" userId="7cc18b5ff11cdd95" providerId="LiveId" clId="{FC1E8CA4-A29E-465C-A5E2-23D3F82D44AC}" dt="2023-08-06T13:04:36.050" v="190" actId="1076"/>
         <pc:sldMkLst>
           <pc:docMk/>
           <pc:sldMk cId="1003273112" sldId="261"/>
@@ -891,6 +891,14 @@
             <pc:docMk/>
             <pc:sldMk cId="1003273112" sldId="261"/>
             <ac:picMk id="4" creationId="{C925E02F-9AFE-4513-C89F-9A2CB009A88C}"/>
+          </ac:picMkLst>
+        </pc:picChg>
+        <pc:picChg chg="add mod">
+          <ac:chgData name="Gowtham Senthilkumar" userId="7cc18b5ff11cdd95" providerId="LiveId" clId="{FC1E8CA4-A29E-465C-A5E2-23D3F82D44AC}" dt="2023-08-06T13:04:36.050" v="190" actId="1076"/>
+          <ac:picMkLst>
+            <pc:docMk/>
+            <pc:sldMk cId="1003273112" sldId="261"/>
+            <ac:picMk id="12" creationId="{A53BDD81-B737-F25E-4168-AAA665C36754}"/>
           </ac:picMkLst>
         </pc:picChg>
       </pc:sldChg>
@@ -1048,7 +1056,7 @@
           <a:p>
             <a:fld id="{E6D5619D-6EEB-4E0C-BC99-84B95D686958}" type="datetimeFigureOut">
               <a:rPr lang="en-IN" smtClean="0"/>
-              <a:t>05-08-2023</a:t>
+              <a:t>06-08-2023</a:t>
             </a:fld>
             <a:endParaRPr lang="en-IN"/>
           </a:p>
@@ -1248,7 +1256,7 @@
           <a:p>
             <a:fld id="{E6D5619D-6EEB-4E0C-BC99-84B95D686958}" type="datetimeFigureOut">
               <a:rPr lang="en-IN" smtClean="0"/>
-              <a:t>05-08-2023</a:t>
+              <a:t>06-08-2023</a:t>
             </a:fld>
             <a:endParaRPr lang="en-IN"/>
           </a:p>
@@ -1458,7 +1466,7 @@
           <a:p>
             <a:fld id="{E6D5619D-6EEB-4E0C-BC99-84B95D686958}" type="datetimeFigureOut">
               <a:rPr lang="en-IN" smtClean="0"/>
-              <a:t>05-08-2023</a:t>
+              <a:t>06-08-2023</a:t>
             </a:fld>
             <a:endParaRPr lang="en-IN"/>
           </a:p>
@@ -1658,7 +1666,7 @@
           <a:p>
             <a:fld id="{E6D5619D-6EEB-4E0C-BC99-84B95D686958}" type="datetimeFigureOut">
               <a:rPr lang="en-IN" smtClean="0"/>
-              <a:t>05-08-2023</a:t>
+              <a:t>06-08-2023</a:t>
             </a:fld>
             <a:endParaRPr lang="en-IN"/>
           </a:p>
@@ -1934,7 +1942,7 @@
           <a:p>
             <a:fld id="{E6D5619D-6EEB-4E0C-BC99-84B95D686958}" type="datetimeFigureOut">
               <a:rPr lang="en-IN" smtClean="0"/>
-              <a:t>05-08-2023</a:t>
+              <a:t>06-08-2023</a:t>
             </a:fld>
             <a:endParaRPr lang="en-IN"/>
           </a:p>
@@ -2202,7 +2210,7 @@
           <a:p>
             <a:fld id="{E6D5619D-6EEB-4E0C-BC99-84B95D686958}" type="datetimeFigureOut">
               <a:rPr lang="en-IN" smtClean="0"/>
-              <a:t>05-08-2023</a:t>
+              <a:t>06-08-2023</a:t>
             </a:fld>
             <a:endParaRPr lang="en-IN"/>
           </a:p>
@@ -2617,7 +2625,7 @@
           <a:p>
             <a:fld id="{E6D5619D-6EEB-4E0C-BC99-84B95D686958}" type="datetimeFigureOut">
               <a:rPr lang="en-IN" smtClean="0"/>
-              <a:t>05-08-2023</a:t>
+              <a:t>06-08-2023</a:t>
             </a:fld>
             <a:endParaRPr lang="en-IN"/>
           </a:p>
@@ -2759,7 +2767,7 @@
           <a:p>
             <a:fld id="{E6D5619D-6EEB-4E0C-BC99-84B95D686958}" type="datetimeFigureOut">
               <a:rPr lang="en-IN" smtClean="0"/>
-              <a:t>05-08-2023</a:t>
+              <a:t>06-08-2023</a:t>
             </a:fld>
             <a:endParaRPr lang="en-IN"/>
           </a:p>
@@ -2872,7 +2880,7 @@
           <a:p>
             <a:fld id="{E6D5619D-6EEB-4E0C-BC99-84B95D686958}" type="datetimeFigureOut">
               <a:rPr lang="en-IN" smtClean="0"/>
-              <a:t>05-08-2023</a:t>
+              <a:t>06-08-2023</a:t>
             </a:fld>
             <a:endParaRPr lang="en-IN"/>
           </a:p>
@@ -3185,7 +3193,7 @@
           <a:p>
             <a:fld id="{E6D5619D-6EEB-4E0C-BC99-84B95D686958}" type="datetimeFigureOut">
               <a:rPr lang="en-IN" smtClean="0"/>
-              <a:t>05-08-2023</a:t>
+              <a:t>06-08-2023</a:t>
             </a:fld>
             <a:endParaRPr lang="en-IN"/>
           </a:p>
@@ -3474,7 +3482,7 @@
           <a:p>
             <a:fld id="{E6D5619D-6EEB-4E0C-BC99-84B95D686958}" type="datetimeFigureOut">
               <a:rPr lang="en-IN" smtClean="0"/>
-              <a:t>05-08-2023</a:t>
+              <a:t>06-08-2023</a:t>
             </a:fld>
             <a:endParaRPr lang="en-IN"/>
           </a:p>
@@ -3717,7 +3725,7 @@
           <a:p>
             <a:fld id="{E6D5619D-6EEB-4E0C-BC99-84B95D686958}" type="datetimeFigureOut">
               <a:rPr lang="en-IN" smtClean="0"/>
-              <a:t>05-08-2023</a:t>
+              <a:t>06-08-2023</a:t>
             </a:fld>
             <a:endParaRPr lang="en-IN"/>
           </a:p>
@@ -9732,6 +9740,58 @@
           </a:extLst>
         </p:spPr>
       </p:pic>
+      <p:pic>
+        <p:nvPicPr>
+          <p:cNvPr id="12" name="Picture 34" descr="Flag of Sweden - Wikipedia">
+            <a:extLst>
+              <a:ext uri="{FF2B5EF4-FFF2-40B4-BE49-F238E27FC236}">
+                <a16:creationId xmlns:a16="http://schemas.microsoft.com/office/drawing/2014/main" id="{A53BDD81-B737-F25E-4168-AAA665C36754}"/>
+              </a:ext>
+            </a:extLst>
+          </p:cNvPr>
+          <p:cNvPicPr>
+            <a:picLocks noChangeAspect="1" noChangeArrowheads="1"/>
+          </p:cNvPicPr>
+          <p:nvPr/>
+        </p:nvPicPr>
+        <p:blipFill>
+          <a:blip r:embed="rId7">
+            <a:extLst>
+              <a:ext uri="{28A0092B-C50C-407E-A947-70E740481C1C}">
+                <a14:useLocalDpi xmlns:a14="http://schemas.microsoft.com/office/drawing/2010/main" val="0"/>
+              </a:ext>
+            </a:extLst>
+          </a:blip>
+          <a:srcRect/>
+          <a:stretch>
+            <a:fillRect/>
+          </a:stretch>
+        </p:blipFill>
+        <p:spPr bwMode="auto">
+          <a:xfrm>
+            <a:off x="3030728" y="5527861"/>
+            <a:ext cx="981966" cy="612000"/>
+          </a:xfrm>
+          <a:prstGeom prst="rect">
+            <a:avLst/>
+          </a:prstGeom>
+          <a:noFill/>
+          <a:ln>
+            <a:solidFill>
+              <a:schemeClr val="tx1"/>
+            </a:solidFill>
+          </a:ln>
+          <a:extLst>
+            <a:ext uri="{909E8E84-426E-40DD-AFC4-6F175D3DCCD1}">
+              <a14:hiddenFill xmlns:a14="http://schemas.microsoft.com/office/drawing/2010/main">
+                <a:solidFill>
+                  <a:srgbClr val="FFFFFF"/>
+                </a:solidFill>
+              </a14:hiddenFill>
+            </a:ext>
+          </a:extLst>
+        </p:spPr>
+      </p:pic>
     </p:spTree>
     <p:extLst>
       <p:ext uri="{BB962C8B-B14F-4D97-AF65-F5344CB8AC3E}">

--- a/Appendix/Bracket.pptx
+++ b/Appendix/Bracket.pptx
@@ -119,7 +119,7 @@
 <file path=ppt/revisionInfo.xml><?xml version="1.0" encoding="utf-8"?>
 <p1510:revInfo xmlns:a="http://schemas.openxmlformats.org/drawingml/2006/main" xmlns:r="http://schemas.openxmlformats.org/officeDocument/2006/relationships" xmlns:p1510="http://schemas.microsoft.com/office/powerpoint/2015/10/main">
   <p1510:revLst>
-    <p1510:client id="{FC1E8CA4-A29E-465C-A5E2-23D3F82D44AC}" v="189" dt="2023-08-06T13:04:36.051"/>
+    <p1510:client id="{FC1E8CA4-A29E-465C-A5E2-23D3F82D44AC}" v="213" dt="2023-08-08T15:10:02.675"/>
   </p1510:revLst>
 </p1510:revInfo>
 </file>
@@ -129,7 +129,7 @@
   <pc:docChgLst>
     <pc:chgData name="Gowtham Senthilkumar" userId="7cc18b5ff11cdd95" providerId="LiveId" clId="{FC1E8CA4-A29E-465C-A5E2-23D3F82D44AC}"/>
     <pc:docChg chg="addSld delSld modSld sldOrd">
-      <pc:chgData name="Gowtham Senthilkumar" userId="7cc18b5ff11cdd95" providerId="LiveId" clId="{FC1E8CA4-A29E-465C-A5E2-23D3F82D44AC}" dt="2023-08-06T13:04:36.050" v="190" actId="1076"/>
+      <pc:chgData name="Gowtham Senthilkumar" userId="7cc18b5ff11cdd95" providerId="LiveId" clId="{FC1E8CA4-A29E-465C-A5E2-23D3F82D44AC}" dt="2023-08-08T15:10:02.674" v="214" actId="1076"/>
       <pc:docMkLst>
         <pc:docMk/>
       </pc:docMkLst>
@@ -863,14 +863,14 @@
           <pc:sldMk cId="199093953" sldId="261"/>
         </pc:sldMkLst>
       </pc:sldChg>
-      <pc:sldChg chg="addSp modSp add ord">
-        <pc:chgData name="Gowtham Senthilkumar" userId="7cc18b5ff11cdd95" providerId="LiveId" clId="{FC1E8CA4-A29E-465C-A5E2-23D3F82D44AC}" dt="2023-08-06T13:04:36.050" v="190" actId="1076"/>
+      <pc:sldChg chg="addSp delSp modSp add ord">
+        <pc:chgData name="Gowtham Senthilkumar" userId="7cc18b5ff11cdd95" providerId="LiveId" clId="{FC1E8CA4-A29E-465C-A5E2-23D3F82D44AC}" dt="2023-08-08T15:10:02.674" v="214" actId="1076"/>
         <pc:sldMkLst>
           <pc:docMk/>
           <pc:sldMk cId="1003273112" sldId="261"/>
         </pc:sldMkLst>
         <pc:picChg chg="add mod">
-          <ac:chgData name="Gowtham Senthilkumar" userId="7cc18b5ff11cdd95" providerId="LiveId" clId="{FC1E8CA4-A29E-465C-A5E2-23D3F82D44AC}" dt="2023-08-06T04:01:18.225" v="184" actId="1076"/>
+          <ac:chgData name="Gowtham Senthilkumar" userId="7cc18b5ff11cdd95" providerId="LiveId" clId="{FC1E8CA4-A29E-465C-A5E2-23D3F82D44AC}" dt="2023-08-07T20:51:15.934" v="198" actId="1037"/>
           <ac:picMkLst>
             <pc:docMk/>
             <pc:sldMk cId="1003273112" sldId="261"/>
@@ -878,7 +878,7 @@
           </ac:picMkLst>
         </pc:picChg>
         <pc:picChg chg="add mod">
-          <ac:chgData name="Gowtham Senthilkumar" userId="7cc18b5ff11cdd95" providerId="LiveId" clId="{FC1E8CA4-A29E-465C-A5E2-23D3F82D44AC}" dt="2023-08-06T04:01:39.365" v="186" actId="1076"/>
+          <ac:chgData name="Gowtham Senthilkumar" userId="7cc18b5ff11cdd95" providerId="LiveId" clId="{FC1E8CA4-A29E-465C-A5E2-23D3F82D44AC}" dt="2023-08-07T20:51:17.733" v="200" actId="1037"/>
           <ac:picMkLst>
             <pc:docMk/>
             <pc:sldMk cId="1003273112" sldId="261"/>
@@ -886,7 +886,7 @@
           </ac:picMkLst>
         </pc:picChg>
         <pc:picChg chg="add mod">
-          <ac:chgData name="Gowtham Senthilkumar" userId="7cc18b5ff11cdd95" providerId="LiveId" clId="{FC1E8CA4-A29E-465C-A5E2-23D3F82D44AC}" dt="2023-08-06T04:01:49.886" v="188" actId="1076"/>
+          <ac:chgData name="Gowtham Senthilkumar" userId="7cc18b5ff11cdd95" providerId="LiveId" clId="{FC1E8CA4-A29E-465C-A5E2-23D3F82D44AC}" dt="2023-08-07T20:51:20.784" v="201" actId="1037"/>
           <ac:picMkLst>
             <pc:docMk/>
             <pc:sldMk cId="1003273112" sldId="261"/>
@@ -894,11 +894,59 @@
           </ac:picMkLst>
         </pc:picChg>
         <pc:picChg chg="add mod">
-          <ac:chgData name="Gowtham Senthilkumar" userId="7cc18b5ff11cdd95" providerId="LiveId" clId="{FC1E8CA4-A29E-465C-A5E2-23D3F82D44AC}" dt="2023-08-06T13:04:36.050" v="190" actId="1076"/>
+          <ac:chgData name="Gowtham Senthilkumar" userId="7cc18b5ff11cdd95" providerId="LiveId" clId="{FC1E8CA4-A29E-465C-A5E2-23D3F82D44AC}" dt="2023-08-07T20:51:22.623" v="202" actId="1037"/>
           <ac:picMkLst>
             <pc:docMk/>
             <pc:sldMk cId="1003273112" sldId="261"/>
             <ac:picMk id="12" creationId="{A53BDD81-B737-F25E-4168-AAA665C36754}"/>
+          </ac:picMkLst>
+        </pc:picChg>
+        <pc:picChg chg="add mod">
+          <ac:chgData name="Gowtham Senthilkumar" userId="7cc18b5ff11cdd95" providerId="LiveId" clId="{FC1E8CA4-A29E-465C-A5E2-23D3F82D44AC}" dt="2023-08-07T20:51:35.574" v="203" actId="1038"/>
+          <ac:picMkLst>
+            <pc:docMk/>
+            <pc:sldMk cId="1003273112" sldId="261"/>
+            <ac:picMk id="13" creationId="{11168222-5842-5630-3F88-254F20DCE602}"/>
+          </ac:picMkLst>
+        </pc:picChg>
+        <pc:picChg chg="add mod">
+          <ac:chgData name="Gowtham Senthilkumar" userId="7cc18b5ff11cdd95" providerId="LiveId" clId="{FC1E8CA4-A29E-465C-A5E2-23D3F82D44AC}" dt="2023-08-08T15:09:23.305" v="209" actId="1076"/>
+          <ac:picMkLst>
+            <pc:docMk/>
+            <pc:sldMk cId="1003273112" sldId="261"/>
+            <ac:picMk id="14" creationId="{0B77994A-2E51-4E99-A125-530E0C9D2145}"/>
+          </ac:picMkLst>
+        </pc:picChg>
+        <pc:picChg chg="add del mod">
+          <ac:chgData name="Gowtham Senthilkumar" userId="7cc18b5ff11cdd95" providerId="LiveId" clId="{FC1E8CA4-A29E-465C-A5E2-23D3F82D44AC}" dt="2023-08-08T15:09:14.855" v="207"/>
+          <ac:picMkLst>
+            <pc:docMk/>
+            <pc:sldMk cId="1003273112" sldId="261"/>
+            <ac:picMk id="16" creationId="{6ADE4844-3A73-80F5-2923-D0D963050087}"/>
+          </ac:picMkLst>
+        </pc:picChg>
+        <pc:picChg chg="add mod">
+          <ac:chgData name="Gowtham Senthilkumar" userId="7cc18b5ff11cdd95" providerId="LiveId" clId="{FC1E8CA4-A29E-465C-A5E2-23D3F82D44AC}" dt="2023-08-08T15:09:42.808" v="212" actId="1076"/>
+          <ac:picMkLst>
+            <pc:docMk/>
+            <pc:sldMk cId="1003273112" sldId="261"/>
+            <ac:picMk id="17" creationId="{2117C4B3-70E4-5A24-2E2A-014DFF2CDEBA}"/>
+          </ac:picMkLst>
+        </pc:picChg>
+        <pc:picChg chg="add mod">
+          <ac:chgData name="Gowtham Senthilkumar" userId="7cc18b5ff11cdd95" providerId="LiveId" clId="{FC1E8CA4-A29E-465C-A5E2-23D3F82D44AC}" dt="2023-08-08T15:10:02.674" v="214" actId="1076"/>
+          <ac:picMkLst>
+            <pc:docMk/>
+            <pc:sldMk cId="1003273112" sldId="261"/>
+            <ac:picMk id="18" creationId="{259E6126-E53E-1C92-268B-C47724BFF14B}"/>
+          </ac:picMkLst>
+        </pc:picChg>
+        <pc:picChg chg="mod">
+          <ac:chgData name="Gowtham Senthilkumar" userId="7cc18b5ff11cdd95" providerId="LiveId" clId="{FC1E8CA4-A29E-465C-A5E2-23D3F82D44AC}" dt="2023-08-07T20:51:58.642" v="204" actId="1076"/>
+          <ac:picMkLst>
+            <pc:docMk/>
+            <pc:sldMk cId="1003273112" sldId="261"/>
+            <ac:picMk id="21" creationId="{E4E34AA4-F3D7-31B7-CE9B-980D0A2E751A}"/>
           </ac:picMkLst>
         </pc:picChg>
       </pc:sldChg>
@@ -1056,7 +1104,7 @@
           <a:p>
             <a:fld id="{E6D5619D-6EEB-4E0C-BC99-84B95D686958}" type="datetimeFigureOut">
               <a:rPr lang="en-IN" smtClean="0"/>
-              <a:t>06-08-2023</a:t>
+              <a:t>08-08-2023</a:t>
             </a:fld>
             <a:endParaRPr lang="en-IN"/>
           </a:p>
@@ -1256,7 +1304,7 @@
           <a:p>
             <a:fld id="{E6D5619D-6EEB-4E0C-BC99-84B95D686958}" type="datetimeFigureOut">
               <a:rPr lang="en-IN" smtClean="0"/>
-              <a:t>06-08-2023</a:t>
+              <a:t>08-08-2023</a:t>
             </a:fld>
             <a:endParaRPr lang="en-IN"/>
           </a:p>
@@ -1466,7 +1514,7 @@
           <a:p>
             <a:fld id="{E6D5619D-6EEB-4E0C-BC99-84B95D686958}" type="datetimeFigureOut">
               <a:rPr lang="en-IN" smtClean="0"/>
-              <a:t>06-08-2023</a:t>
+              <a:t>08-08-2023</a:t>
             </a:fld>
             <a:endParaRPr lang="en-IN"/>
           </a:p>
@@ -1666,7 +1714,7 @@
           <a:p>
             <a:fld id="{E6D5619D-6EEB-4E0C-BC99-84B95D686958}" type="datetimeFigureOut">
               <a:rPr lang="en-IN" smtClean="0"/>
-              <a:t>06-08-2023</a:t>
+              <a:t>08-08-2023</a:t>
             </a:fld>
             <a:endParaRPr lang="en-IN"/>
           </a:p>
@@ -1942,7 +1990,7 @@
           <a:p>
             <a:fld id="{E6D5619D-6EEB-4E0C-BC99-84B95D686958}" type="datetimeFigureOut">
               <a:rPr lang="en-IN" smtClean="0"/>
-              <a:t>06-08-2023</a:t>
+              <a:t>08-08-2023</a:t>
             </a:fld>
             <a:endParaRPr lang="en-IN"/>
           </a:p>
@@ -2210,7 +2258,7 @@
           <a:p>
             <a:fld id="{E6D5619D-6EEB-4E0C-BC99-84B95D686958}" type="datetimeFigureOut">
               <a:rPr lang="en-IN" smtClean="0"/>
-              <a:t>06-08-2023</a:t>
+              <a:t>08-08-2023</a:t>
             </a:fld>
             <a:endParaRPr lang="en-IN"/>
           </a:p>
@@ -2625,7 +2673,7 @@
           <a:p>
             <a:fld id="{E6D5619D-6EEB-4E0C-BC99-84B95D686958}" type="datetimeFigureOut">
               <a:rPr lang="en-IN" smtClean="0"/>
-              <a:t>06-08-2023</a:t>
+              <a:t>08-08-2023</a:t>
             </a:fld>
             <a:endParaRPr lang="en-IN"/>
           </a:p>
@@ -2767,7 +2815,7 @@
           <a:p>
             <a:fld id="{E6D5619D-6EEB-4E0C-BC99-84B95D686958}" type="datetimeFigureOut">
               <a:rPr lang="en-IN" smtClean="0"/>
-              <a:t>06-08-2023</a:t>
+              <a:t>08-08-2023</a:t>
             </a:fld>
             <a:endParaRPr lang="en-IN"/>
           </a:p>
@@ -2880,7 +2928,7 @@
           <a:p>
             <a:fld id="{E6D5619D-6EEB-4E0C-BC99-84B95D686958}" type="datetimeFigureOut">
               <a:rPr lang="en-IN" smtClean="0"/>
-              <a:t>06-08-2023</a:t>
+              <a:t>08-08-2023</a:t>
             </a:fld>
             <a:endParaRPr lang="en-IN"/>
           </a:p>
@@ -3193,7 +3241,7 @@
           <a:p>
             <a:fld id="{E6D5619D-6EEB-4E0C-BC99-84B95D686958}" type="datetimeFigureOut">
               <a:rPr lang="en-IN" smtClean="0"/>
-              <a:t>06-08-2023</a:t>
+              <a:t>08-08-2023</a:t>
             </a:fld>
             <a:endParaRPr lang="en-IN"/>
           </a:p>
@@ -3482,7 +3530,7 @@
           <a:p>
             <a:fld id="{E6D5619D-6EEB-4E0C-BC99-84B95D686958}" type="datetimeFigureOut">
               <a:rPr lang="en-IN" smtClean="0"/>
-              <a:t>06-08-2023</a:t>
+              <a:t>08-08-2023</a:t>
             </a:fld>
             <a:endParaRPr lang="en-IN"/>
           </a:p>
@@ -3725,7 +3773,7 @@
           <a:p>
             <a:fld id="{E6D5619D-6EEB-4E0C-BC99-84B95D686958}" type="datetimeFigureOut">
               <a:rPr lang="en-IN" smtClean="0"/>
-              <a:t>06-08-2023</a:t>
+              <a:t>08-08-2023</a:t>
             </a:fld>
             <a:endParaRPr lang="en-IN"/>
           </a:p>
@@ -9457,7 +9505,7 @@
         </p:blipFill>
         <p:spPr bwMode="auto">
           <a:xfrm>
-            <a:off x="9677419" y="3615321"/>
+            <a:off x="7965814" y="4087435"/>
             <a:ext cx="1223999" cy="612000"/>
           </a:xfrm>
           <a:prstGeom prst="rect">
@@ -9613,7 +9661,7 @@
         </p:blipFill>
         <p:spPr bwMode="auto">
           <a:xfrm>
-            <a:off x="3042898" y="1103168"/>
+            <a:off x="3015466" y="1103168"/>
             <a:ext cx="919672" cy="612000"/>
           </a:xfrm>
           <a:prstGeom prst="rect">
@@ -9665,7 +9713,7 @@
         </p:blipFill>
         <p:spPr bwMode="auto">
           <a:xfrm>
-            <a:off x="3039571" y="2601065"/>
+            <a:off x="3021283" y="2601065"/>
             <a:ext cx="918000" cy="612000"/>
           </a:xfrm>
           <a:prstGeom prst="rect">
@@ -9717,7 +9765,7 @@
         </p:blipFill>
         <p:spPr bwMode="auto">
           <a:xfrm>
-            <a:off x="3037898" y="4086703"/>
+            <a:off x="3028754" y="4086703"/>
             <a:ext cx="919673" cy="612732"/>
           </a:xfrm>
           <a:prstGeom prst="rect">
@@ -9769,8 +9817,216 @@
         </p:blipFill>
         <p:spPr bwMode="auto">
           <a:xfrm>
-            <a:off x="3030728" y="5527861"/>
+            <a:off x="3021584" y="5527861"/>
             <a:ext cx="981966" cy="612000"/>
+          </a:xfrm>
+          <a:prstGeom prst="rect">
+            <a:avLst/>
+          </a:prstGeom>
+          <a:noFill/>
+          <a:ln>
+            <a:solidFill>
+              <a:schemeClr val="tx1"/>
+            </a:solidFill>
+          </a:ln>
+          <a:extLst>
+            <a:ext uri="{909E8E84-426E-40DD-AFC4-6F175D3DCCD1}">
+              <a14:hiddenFill xmlns:a14="http://schemas.microsoft.com/office/drawing/2010/main">
+                <a:solidFill>
+                  <a:srgbClr val="FFFFFF"/>
+                </a:solidFill>
+              </a14:hiddenFill>
+            </a:ext>
+          </a:extLst>
+        </p:spPr>
+      </p:pic>
+      <p:pic>
+        <p:nvPicPr>
+          <p:cNvPr id="13" name="Picture 22" descr="Flag of England - Wikipedia">
+            <a:extLst>
+              <a:ext uri="{FF2B5EF4-FFF2-40B4-BE49-F238E27FC236}">
+                <a16:creationId xmlns:a16="http://schemas.microsoft.com/office/drawing/2014/main" id="{11168222-5842-5630-3F88-254F20DCE602}"/>
+              </a:ext>
+            </a:extLst>
+          </p:cNvPr>
+          <p:cNvPicPr>
+            <a:picLocks noChangeAspect="1" noChangeArrowheads="1"/>
+          </p:cNvPicPr>
+          <p:nvPr/>
+        </p:nvPicPr>
+        <p:blipFill>
+          <a:blip r:embed="rId11">
+            <a:extLst>
+              <a:ext uri="{28A0092B-C50C-407E-A947-70E740481C1C}">
+                <a14:useLocalDpi xmlns:a14="http://schemas.microsoft.com/office/drawing/2010/main" val="0"/>
+              </a:ext>
+            </a:extLst>
+          </a:blip>
+          <a:srcRect/>
+          <a:stretch>
+            <a:fillRect/>
+          </a:stretch>
+        </p:blipFill>
+        <p:spPr bwMode="auto">
+          <a:xfrm>
+            <a:off x="8169813" y="1103168"/>
+            <a:ext cx="1020000" cy="612000"/>
+          </a:xfrm>
+          <a:prstGeom prst="rect">
+            <a:avLst/>
+          </a:prstGeom>
+          <a:noFill/>
+          <a:ln>
+            <a:solidFill>
+              <a:schemeClr val="tx1"/>
+            </a:solidFill>
+          </a:ln>
+          <a:extLst>
+            <a:ext uri="{909E8E84-426E-40DD-AFC4-6F175D3DCCD1}">
+              <a14:hiddenFill xmlns:a14="http://schemas.microsoft.com/office/drawing/2010/main">
+                <a:solidFill>
+                  <a:srgbClr val="FFFFFF"/>
+                </a:solidFill>
+              </a14:hiddenFill>
+            </a:ext>
+          </a:extLst>
+        </p:spPr>
+      </p:pic>
+      <p:pic>
+        <p:nvPicPr>
+          <p:cNvPr id="14" name="Picture 12" descr="Australia - Wikipedia">
+            <a:extLst>
+              <a:ext uri="{FF2B5EF4-FFF2-40B4-BE49-F238E27FC236}">
+                <a16:creationId xmlns:a16="http://schemas.microsoft.com/office/drawing/2014/main" id="{0B77994A-2E51-4E99-A125-530E0C9D2145}"/>
+              </a:ext>
+            </a:extLst>
+          </p:cNvPr>
+          <p:cNvPicPr>
+            <a:picLocks noChangeAspect="1" noChangeArrowheads="1"/>
+          </p:cNvPicPr>
+          <p:nvPr/>
+        </p:nvPicPr>
+        <p:blipFill>
+          <a:blip r:embed="rId19">
+            <a:extLst>
+              <a:ext uri="{28A0092B-C50C-407E-A947-70E740481C1C}">
+                <a14:useLocalDpi xmlns:a14="http://schemas.microsoft.com/office/drawing/2010/main" val="0"/>
+              </a:ext>
+            </a:extLst>
+          </a:blip>
+          <a:srcRect/>
+          <a:stretch>
+            <a:fillRect/>
+          </a:stretch>
+        </p:blipFill>
+        <p:spPr bwMode="auto">
+          <a:xfrm>
+            <a:off x="9668456" y="3633815"/>
+            <a:ext cx="1223999" cy="612000"/>
+          </a:xfrm>
+          <a:prstGeom prst="rect">
+            <a:avLst/>
+          </a:prstGeom>
+          <a:noFill/>
+          <a:ln>
+            <a:solidFill>
+              <a:schemeClr val="tx1"/>
+            </a:solidFill>
+          </a:ln>
+          <a:extLst>
+            <a:ext uri="{909E8E84-426E-40DD-AFC4-6F175D3DCCD1}">
+              <a14:hiddenFill xmlns:a14="http://schemas.microsoft.com/office/drawing/2010/main">
+                <a:solidFill>
+                  <a:srgbClr val="FFFFFF"/>
+                </a:solidFill>
+              </a14:hiddenFill>
+            </a:ext>
+          </a:extLst>
+        </p:spPr>
+      </p:pic>
+      <p:pic>
+        <p:nvPicPr>
+          <p:cNvPr id="17" name="Picture 30" descr="Flag of France - Wikipedia">
+            <a:extLst>
+              <a:ext uri="{FF2B5EF4-FFF2-40B4-BE49-F238E27FC236}">
+                <a16:creationId xmlns:a16="http://schemas.microsoft.com/office/drawing/2014/main" id="{2117C4B3-70E4-5A24-2E2A-014DFF2CDEBA}"/>
+              </a:ext>
+            </a:extLst>
+          </p:cNvPr>
+          <p:cNvPicPr>
+            <a:picLocks noChangeAspect="1" noChangeArrowheads="1"/>
+          </p:cNvPicPr>
+          <p:nvPr/>
+        </p:nvPicPr>
+        <p:blipFill>
+          <a:blip r:embed="rId10">
+            <a:extLst>
+              <a:ext uri="{28A0092B-C50C-407E-A947-70E740481C1C}">
+                <a14:useLocalDpi xmlns:a14="http://schemas.microsoft.com/office/drawing/2010/main" val="0"/>
+              </a:ext>
+            </a:extLst>
+          </a:blip>
+          <a:srcRect/>
+          <a:stretch>
+            <a:fillRect/>
+          </a:stretch>
+        </p:blipFill>
+        <p:spPr bwMode="auto">
+          <a:xfrm>
+            <a:off x="8273645" y="5527861"/>
+            <a:ext cx="916168" cy="612000"/>
+          </a:xfrm>
+          <a:prstGeom prst="rect">
+            <a:avLst/>
+          </a:prstGeom>
+          <a:noFill/>
+          <a:ln>
+            <a:solidFill>
+              <a:schemeClr val="tx1"/>
+            </a:solidFill>
+          </a:ln>
+          <a:extLst>
+            <a:ext uri="{909E8E84-426E-40DD-AFC4-6F175D3DCCD1}">
+              <a14:hiddenFill xmlns:a14="http://schemas.microsoft.com/office/drawing/2010/main">
+                <a:solidFill>
+                  <a:srgbClr val="FFFFFF"/>
+                </a:solidFill>
+              </a14:hiddenFill>
+            </a:ext>
+          </a:extLst>
+        </p:spPr>
+      </p:pic>
+      <p:pic>
+        <p:nvPicPr>
+          <p:cNvPr id="18" name="Picture 8" descr="Flag of Colombia">
+            <a:extLst>
+              <a:ext uri="{FF2B5EF4-FFF2-40B4-BE49-F238E27FC236}">
+                <a16:creationId xmlns:a16="http://schemas.microsoft.com/office/drawing/2014/main" id="{259E6126-E53E-1C92-268B-C47724BFF14B}"/>
+              </a:ext>
+            </a:extLst>
+          </p:cNvPr>
+          <p:cNvPicPr>
+            <a:picLocks noChangeAspect="1" noChangeArrowheads="1"/>
+          </p:cNvPicPr>
+          <p:nvPr/>
+        </p:nvPicPr>
+        <p:blipFill>
+          <a:blip r:embed="rId17">
+            <a:extLst>
+              <a:ext uri="{28A0092B-C50C-407E-A947-70E740481C1C}">
+                <a14:useLocalDpi xmlns:a14="http://schemas.microsoft.com/office/drawing/2010/main" val="0"/>
+              </a:ext>
+            </a:extLst>
+          </a:blip>
+          <a:srcRect/>
+          <a:stretch>
+            <a:fillRect/>
+          </a:stretch>
+        </p:blipFill>
+        <p:spPr bwMode="auto">
+          <a:xfrm>
+            <a:off x="8273645" y="2595300"/>
+            <a:ext cx="918005" cy="612003"/>
           </a:xfrm>
           <a:prstGeom prst="rect">
             <a:avLst/>

--- a/Appendix/Bracket.pptx
+++ b/Appendix/Bracket.pptx
@@ -119,7 +119,7 @@
 <file path=ppt/revisionInfo.xml><?xml version="1.0" encoding="utf-8"?>
 <p1510:revInfo xmlns:a="http://schemas.openxmlformats.org/drawingml/2006/main" xmlns:r="http://schemas.openxmlformats.org/officeDocument/2006/relationships" xmlns:p1510="http://schemas.microsoft.com/office/powerpoint/2015/10/main">
   <p1510:revLst>
-    <p1510:client id="{FC1E8CA4-A29E-465C-A5E2-23D3F82D44AC}" v="213" dt="2023-08-08T15:10:02.675"/>
+    <p1510:client id="{FC1E8CA4-A29E-465C-A5E2-23D3F82D44AC}" v="216" dt="2023-08-09T18:51:22.980"/>
   </p1510:revLst>
 </p1510:revInfo>
 </file>
@@ -129,7 +129,7 @@
   <pc:docChgLst>
     <pc:chgData name="Gowtham Senthilkumar" userId="7cc18b5ff11cdd95" providerId="LiveId" clId="{FC1E8CA4-A29E-465C-A5E2-23D3F82D44AC}"/>
     <pc:docChg chg="addSld delSld modSld sldOrd">
-      <pc:chgData name="Gowtham Senthilkumar" userId="7cc18b5ff11cdd95" providerId="LiveId" clId="{FC1E8CA4-A29E-465C-A5E2-23D3F82D44AC}" dt="2023-08-08T15:10:02.674" v="214" actId="1076"/>
+      <pc:chgData name="Gowtham Senthilkumar" userId="7cc18b5ff11cdd95" providerId="LiveId" clId="{FC1E8CA4-A29E-465C-A5E2-23D3F82D44AC}" dt="2023-08-09T18:51:22.980" v="217"/>
       <pc:docMkLst>
         <pc:docMk/>
       </pc:docMkLst>
@@ -484,7 +484,7 @@
         </pc:picChg>
       </pc:sldChg>
       <pc:sldChg chg="addSp modSp add">
-        <pc:chgData name="Gowtham Senthilkumar" userId="7cc18b5ff11cdd95" providerId="LiveId" clId="{FC1E8CA4-A29E-465C-A5E2-23D3F82D44AC}" dt="2023-08-03T21:16:20.971" v="182"/>
+        <pc:chgData name="Gowtham Senthilkumar" userId="7cc18b5ff11cdd95" providerId="LiveId" clId="{FC1E8CA4-A29E-465C-A5E2-23D3F82D44AC}" dt="2023-08-09T18:51:22.980" v="217"/>
         <pc:sldMkLst>
           <pc:docMk/>
           <pc:sldMk cId="2175164659" sldId="259"/>
@@ -503,6 +503,14 @@
             <pc:docMk/>
             <pc:sldMk cId="2175164659" sldId="259"/>
             <ac:picMk id="3" creationId="{92AEC22B-51E6-D0C0-626F-971DE2F37A2D}"/>
+          </ac:picMkLst>
+        </pc:picChg>
+        <pc:picChg chg="add mod">
+          <ac:chgData name="Gowtham Senthilkumar" userId="7cc18b5ff11cdd95" providerId="LiveId" clId="{FC1E8CA4-A29E-465C-A5E2-23D3F82D44AC}" dt="2023-08-09T18:51:22.980" v="217"/>
+          <ac:picMkLst>
+            <pc:docMk/>
+            <pc:sldMk cId="2175164659" sldId="259"/>
+            <ac:picMk id="4" creationId="{A5921D91-27BD-0036-658A-E771748E0FE1}"/>
           </ac:picMkLst>
         </pc:picChg>
       </pc:sldChg>
@@ -950,6 +958,13 @@
           </ac:picMkLst>
         </pc:picChg>
       </pc:sldChg>
+      <pc:sldChg chg="add del">
+        <pc:chgData name="Gowtham Senthilkumar" userId="7cc18b5ff11cdd95" providerId="LiveId" clId="{FC1E8CA4-A29E-465C-A5E2-23D3F82D44AC}" dt="2023-08-09T18:51:19.314" v="216"/>
+        <pc:sldMkLst>
+          <pc:docMk/>
+          <pc:sldMk cId="792321936" sldId="262"/>
+        </pc:sldMkLst>
+      </pc:sldChg>
     </pc:docChg>
   </pc:docChgLst>
 </pc:chgInfo>
@@ -1104,7 +1119,7 @@
           <a:p>
             <a:fld id="{E6D5619D-6EEB-4E0C-BC99-84B95D686958}" type="datetimeFigureOut">
               <a:rPr lang="en-IN" smtClean="0"/>
-              <a:t>08-08-2023</a:t>
+              <a:t>09-08-2023</a:t>
             </a:fld>
             <a:endParaRPr lang="en-IN"/>
           </a:p>
@@ -1304,7 +1319,7 @@
           <a:p>
             <a:fld id="{E6D5619D-6EEB-4E0C-BC99-84B95D686958}" type="datetimeFigureOut">
               <a:rPr lang="en-IN" smtClean="0"/>
-              <a:t>08-08-2023</a:t>
+              <a:t>09-08-2023</a:t>
             </a:fld>
             <a:endParaRPr lang="en-IN"/>
           </a:p>
@@ -1514,7 +1529,7 @@
           <a:p>
             <a:fld id="{E6D5619D-6EEB-4E0C-BC99-84B95D686958}" type="datetimeFigureOut">
               <a:rPr lang="en-IN" smtClean="0"/>
-              <a:t>08-08-2023</a:t>
+              <a:t>09-08-2023</a:t>
             </a:fld>
             <a:endParaRPr lang="en-IN"/>
           </a:p>
@@ -1714,7 +1729,7 @@
           <a:p>
             <a:fld id="{E6D5619D-6EEB-4E0C-BC99-84B95D686958}" type="datetimeFigureOut">
               <a:rPr lang="en-IN" smtClean="0"/>
-              <a:t>08-08-2023</a:t>
+              <a:t>09-08-2023</a:t>
             </a:fld>
             <a:endParaRPr lang="en-IN"/>
           </a:p>
@@ -1990,7 +2005,7 @@
           <a:p>
             <a:fld id="{E6D5619D-6EEB-4E0C-BC99-84B95D686958}" type="datetimeFigureOut">
               <a:rPr lang="en-IN" smtClean="0"/>
-              <a:t>08-08-2023</a:t>
+              <a:t>09-08-2023</a:t>
             </a:fld>
             <a:endParaRPr lang="en-IN"/>
           </a:p>
@@ -2258,7 +2273,7 @@
           <a:p>
             <a:fld id="{E6D5619D-6EEB-4E0C-BC99-84B95D686958}" type="datetimeFigureOut">
               <a:rPr lang="en-IN" smtClean="0"/>
-              <a:t>08-08-2023</a:t>
+              <a:t>09-08-2023</a:t>
             </a:fld>
             <a:endParaRPr lang="en-IN"/>
           </a:p>
@@ -2673,7 +2688,7 @@
           <a:p>
             <a:fld id="{E6D5619D-6EEB-4E0C-BC99-84B95D686958}" type="datetimeFigureOut">
               <a:rPr lang="en-IN" smtClean="0"/>
-              <a:t>08-08-2023</a:t>
+              <a:t>09-08-2023</a:t>
             </a:fld>
             <a:endParaRPr lang="en-IN"/>
           </a:p>
@@ -2815,7 +2830,7 @@
           <a:p>
             <a:fld id="{E6D5619D-6EEB-4E0C-BC99-84B95D686958}" type="datetimeFigureOut">
               <a:rPr lang="en-IN" smtClean="0"/>
-              <a:t>08-08-2023</a:t>
+              <a:t>09-08-2023</a:t>
             </a:fld>
             <a:endParaRPr lang="en-IN"/>
           </a:p>
@@ -2928,7 +2943,7 @@
           <a:p>
             <a:fld id="{E6D5619D-6EEB-4E0C-BC99-84B95D686958}" type="datetimeFigureOut">
               <a:rPr lang="en-IN" smtClean="0"/>
-              <a:t>08-08-2023</a:t>
+              <a:t>09-08-2023</a:t>
             </a:fld>
             <a:endParaRPr lang="en-IN"/>
           </a:p>
@@ -3241,7 +3256,7 @@
           <a:p>
             <a:fld id="{E6D5619D-6EEB-4E0C-BC99-84B95D686958}" type="datetimeFigureOut">
               <a:rPr lang="en-IN" smtClean="0"/>
-              <a:t>08-08-2023</a:t>
+              <a:t>09-08-2023</a:t>
             </a:fld>
             <a:endParaRPr lang="en-IN"/>
           </a:p>
@@ -3530,7 +3545,7 @@
           <a:p>
             <a:fld id="{E6D5619D-6EEB-4E0C-BC99-84B95D686958}" type="datetimeFigureOut">
               <a:rPr lang="en-IN" smtClean="0"/>
-              <a:t>08-08-2023</a:t>
+              <a:t>09-08-2023</a:t>
             </a:fld>
             <a:endParaRPr lang="en-IN"/>
           </a:p>
@@ -3773,7 +3788,7 @@
           <a:p>
             <a:fld id="{E6D5619D-6EEB-4E0C-BC99-84B95D686958}" type="datetimeFigureOut">
               <a:rPr lang="en-IN" smtClean="0"/>
-              <a:t>08-08-2023</a:t>
+              <a:t>09-08-2023</a:t>
             </a:fld>
             <a:endParaRPr lang="en-IN"/>
           </a:p>
@@ -11831,6 +11846,36 @@
           </a:prstGeom>
         </p:spPr>
       </p:pic>
+      <p:pic>
+        <p:nvPicPr>
+          <p:cNvPr id="4" name="Picture 3">
+            <a:extLst>
+              <a:ext uri="{FF2B5EF4-FFF2-40B4-BE49-F238E27FC236}">
+                <a16:creationId xmlns:a16="http://schemas.microsoft.com/office/drawing/2014/main" id="{A5921D91-27BD-0036-658A-E771748E0FE1}"/>
+              </a:ext>
+            </a:extLst>
+          </p:cNvPr>
+          <p:cNvPicPr>
+            <a:picLocks noChangeAspect="1"/>
+          </p:cNvPicPr>
+          <p:nvPr/>
+        </p:nvPicPr>
+        <p:blipFill>
+          <a:blip r:embed="rId7"/>
+          <a:stretch>
+            <a:fillRect/>
+          </a:stretch>
+        </p:blipFill>
+        <p:spPr>
+          <a:xfrm>
+            <a:off x="3352536" y="2019151"/>
+            <a:ext cx="6096528" cy="3429297"/>
+          </a:xfrm>
+          <a:prstGeom prst="rect">
+            <a:avLst/>
+          </a:prstGeom>
+        </p:spPr>
+      </p:pic>
     </p:spTree>
     <p:extLst>
       <p:ext uri="{BB962C8B-B14F-4D97-AF65-F5344CB8AC3E}">

--- a/Appendix/Bracket.pptx
+++ b/Appendix/Bracket.pptx
@@ -119,7 +119,7 @@
 <file path=ppt/revisionInfo.xml><?xml version="1.0" encoding="utf-8"?>
 <p1510:revInfo xmlns:a="http://schemas.openxmlformats.org/drawingml/2006/main" xmlns:r="http://schemas.openxmlformats.org/officeDocument/2006/relationships" xmlns:p1510="http://schemas.microsoft.com/office/powerpoint/2015/10/main">
   <p1510:revLst>
-    <p1510:client id="{FC1E8CA4-A29E-465C-A5E2-23D3F82D44AC}" v="216" dt="2023-08-09T18:51:22.980"/>
+    <p1510:client id="{FC1E8CA4-A29E-465C-A5E2-23D3F82D44AC}" v="237" dt="2023-08-15T18:24:07.721"/>
   </p1510:revLst>
 </p1510:revInfo>
 </file>
@@ -129,7 +129,7 @@
   <pc:docChgLst>
     <pc:chgData name="Gowtham Senthilkumar" userId="7cc18b5ff11cdd95" providerId="LiveId" clId="{FC1E8CA4-A29E-465C-A5E2-23D3F82D44AC}"/>
     <pc:docChg chg="addSld delSld modSld sldOrd">
-      <pc:chgData name="Gowtham Senthilkumar" userId="7cc18b5ff11cdd95" providerId="LiveId" clId="{FC1E8CA4-A29E-465C-A5E2-23D3F82D44AC}" dt="2023-08-09T18:51:22.980" v="217"/>
+      <pc:chgData name="Gowtham Senthilkumar" userId="7cc18b5ff11cdd95" providerId="LiveId" clId="{FC1E8CA4-A29E-465C-A5E2-23D3F82D44AC}" dt="2023-08-15T18:24:07.720" v="238"/>
       <pc:docMkLst>
         <pc:docMk/>
       </pc:docMkLst>
@@ -484,7 +484,7 @@
         </pc:picChg>
       </pc:sldChg>
       <pc:sldChg chg="addSp modSp add">
-        <pc:chgData name="Gowtham Senthilkumar" userId="7cc18b5ff11cdd95" providerId="LiveId" clId="{FC1E8CA4-A29E-465C-A5E2-23D3F82D44AC}" dt="2023-08-09T18:51:22.980" v="217"/>
+        <pc:chgData name="Gowtham Senthilkumar" userId="7cc18b5ff11cdd95" providerId="LiveId" clId="{FC1E8CA4-A29E-465C-A5E2-23D3F82D44AC}" dt="2023-08-15T18:24:07.720" v="238"/>
         <pc:sldMkLst>
           <pc:docMk/>
           <pc:sldMk cId="2175164659" sldId="259"/>
@@ -511,6 +511,14 @@
             <pc:docMk/>
             <pc:sldMk cId="2175164659" sldId="259"/>
             <ac:picMk id="4" creationId="{A5921D91-27BD-0036-658A-E771748E0FE1}"/>
+          </ac:picMkLst>
+        </pc:picChg>
+        <pc:picChg chg="add mod">
+          <ac:chgData name="Gowtham Senthilkumar" userId="7cc18b5ff11cdd95" providerId="LiveId" clId="{FC1E8CA4-A29E-465C-A5E2-23D3F82D44AC}" dt="2023-08-15T18:24:07.720" v="238"/>
+          <ac:picMkLst>
+            <pc:docMk/>
+            <pc:sldMk cId="2175164659" sldId="259"/>
+            <ac:picMk id="12" creationId="{BD35F73F-1FA7-17BD-8EA9-B4EA8E0E150D}"/>
           </ac:picMkLst>
         </pc:picChg>
       </pc:sldChg>
@@ -872,7 +880,7 @@
         </pc:sldMkLst>
       </pc:sldChg>
       <pc:sldChg chg="addSp delSp modSp add ord">
-        <pc:chgData name="Gowtham Senthilkumar" userId="7cc18b5ff11cdd95" providerId="LiveId" clId="{FC1E8CA4-A29E-465C-A5E2-23D3F82D44AC}" dt="2023-08-08T15:10:02.674" v="214" actId="1076"/>
+        <pc:chgData name="Gowtham Senthilkumar" userId="7cc18b5ff11cdd95" providerId="LiveId" clId="{FC1E8CA4-A29E-465C-A5E2-23D3F82D44AC}" dt="2023-08-15T18:23:57.440" v="237" actId="478"/>
         <pc:sldMkLst>
           <pc:docMk/>
           <pc:sldMk cId="1003273112" sldId="261"/>
@@ -934,6 +942,14 @@
           </ac:picMkLst>
         </pc:picChg>
         <pc:picChg chg="add mod">
+          <ac:chgData name="Gowtham Senthilkumar" userId="7cc18b5ff11cdd95" providerId="LiveId" clId="{FC1E8CA4-A29E-465C-A5E2-23D3F82D44AC}" dt="2023-08-15T18:21:56.331" v="223" actId="1076"/>
+          <ac:picMkLst>
+            <pc:docMk/>
+            <pc:sldMk cId="1003273112" sldId="261"/>
+            <ac:picMk id="16" creationId="{DE13E786-C215-054A-9ECD-DE53B9216127}"/>
+          </ac:picMkLst>
+        </pc:picChg>
+        <pc:picChg chg="add mod">
           <ac:chgData name="Gowtham Senthilkumar" userId="7cc18b5ff11cdd95" providerId="LiveId" clId="{FC1E8CA4-A29E-465C-A5E2-23D3F82D44AC}" dt="2023-08-08T15:09:42.808" v="212" actId="1076"/>
           <ac:picMkLst>
             <pc:docMk/>
@@ -955,6 +971,38 @@
             <pc:docMk/>
             <pc:sldMk cId="1003273112" sldId="261"/>
             <ac:picMk id="21" creationId="{E4E34AA4-F3D7-31B7-CE9B-980D0A2E751A}"/>
+          </ac:picMkLst>
+        </pc:picChg>
+        <pc:picChg chg="add mod">
+          <ac:chgData name="Gowtham Senthilkumar" userId="7cc18b5ff11cdd95" providerId="LiveId" clId="{FC1E8CA4-A29E-465C-A5E2-23D3F82D44AC}" dt="2023-08-15T18:21:48.065" v="222" actId="1076"/>
+          <ac:picMkLst>
+            <pc:docMk/>
+            <pc:sldMk cId="1003273112" sldId="261"/>
+            <ac:picMk id="24" creationId="{F4861CC7-CF74-1ADE-2536-01050FD8DD6C}"/>
+          </ac:picMkLst>
+        </pc:picChg>
+        <pc:picChg chg="add mod">
+          <ac:chgData name="Gowtham Senthilkumar" userId="7cc18b5ff11cdd95" providerId="LiveId" clId="{FC1E8CA4-A29E-465C-A5E2-23D3F82D44AC}" dt="2023-08-15T18:22:13.638" v="225" actId="1076"/>
+          <ac:picMkLst>
+            <pc:docMk/>
+            <pc:sldMk cId="1003273112" sldId="261"/>
+            <ac:picMk id="25" creationId="{7D51C0EA-ABF6-58F1-6109-63E32A6DAB42}"/>
+          </ac:picMkLst>
+        </pc:picChg>
+        <pc:picChg chg="add mod">
+          <ac:chgData name="Gowtham Senthilkumar" userId="7cc18b5ff11cdd95" providerId="LiveId" clId="{FC1E8CA4-A29E-465C-A5E2-23D3F82D44AC}" dt="2023-08-15T18:23:10.672" v="228" actId="1076"/>
+          <ac:picMkLst>
+            <pc:docMk/>
+            <pc:sldMk cId="1003273112" sldId="261"/>
+            <ac:picMk id="26" creationId="{22C3DC24-6884-A9BE-1D3D-0ABC6B0C3535}"/>
+          </ac:picMkLst>
+        </pc:picChg>
+        <pc:picChg chg="add del mod">
+          <ac:chgData name="Gowtham Senthilkumar" userId="7cc18b5ff11cdd95" providerId="LiveId" clId="{FC1E8CA4-A29E-465C-A5E2-23D3F82D44AC}" dt="2023-08-15T18:23:57.440" v="237" actId="478"/>
+          <ac:picMkLst>
+            <pc:docMk/>
+            <pc:sldMk cId="1003273112" sldId="261"/>
+            <ac:picMk id="27" creationId="{02B01402-483F-3560-F5BD-4995EE07C238}"/>
           </ac:picMkLst>
         </pc:picChg>
       </pc:sldChg>
@@ -1119,7 +1167,7 @@
           <a:p>
             <a:fld id="{E6D5619D-6EEB-4E0C-BC99-84B95D686958}" type="datetimeFigureOut">
               <a:rPr lang="en-IN" smtClean="0"/>
-              <a:t>09-08-2023</a:t>
+              <a:t>15-08-2023</a:t>
             </a:fld>
             <a:endParaRPr lang="en-IN"/>
           </a:p>
@@ -1319,7 +1367,7 @@
           <a:p>
             <a:fld id="{E6D5619D-6EEB-4E0C-BC99-84B95D686958}" type="datetimeFigureOut">
               <a:rPr lang="en-IN" smtClean="0"/>
-              <a:t>09-08-2023</a:t>
+              <a:t>15-08-2023</a:t>
             </a:fld>
             <a:endParaRPr lang="en-IN"/>
           </a:p>
@@ -1529,7 +1577,7 @@
           <a:p>
             <a:fld id="{E6D5619D-6EEB-4E0C-BC99-84B95D686958}" type="datetimeFigureOut">
               <a:rPr lang="en-IN" smtClean="0"/>
-              <a:t>09-08-2023</a:t>
+              <a:t>15-08-2023</a:t>
             </a:fld>
             <a:endParaRPr lang="en-IN"/>
           </a:p>
@@ -1729,7 +1777,7 @@
           <a:p>
             <a:fld id="{E6D5619D-6EEB-4E0C-BC99-84B95D686958}" type="datetimeFigureOut">
               <a:rPr lang="en-IN" smtClean="0"/>
-              <a:t>09-08-2023</a:t>
+              <a:t>15-08-2023</a:t>
             </a:fld>
             <a:endParaRPr lang="en-IN"/>
           </a:p>
@@ -2005,7 +2053,7 @@
           <a:p>
             <a:fld id="{E6D5619D-6EEB-4E0C-BC99-84B95D686958}" type="datetimeFigureOut">
               <a:rPr lang="en-IN" smtClean="0"/>
-              <a:t>09-08-2023</a:t>
+              <a:t>15-08-2023</a:t>
             </a:fld>
             <a:endParaRPr lang="en-IN"/>
           </a:p>
@@ -2273,7 +2321,7 @@
           <a:p>
             <a:fld id="{E6D5619D-6EEB-4E0C-BC99-84B95D686958}" type="datetimeFigureOut">
               <a:rPr lang="en-IN" smtClean="0"/>
-              <a:t>09-08-2023</a:t>
+              <a:t>15-08-2023</a:t>
             </a:fld>
             <a:endParaRPr lang="en-IN"/>
           </a:p>
@@ -2688,7 +2736,7 @@
           <a:p>
             <a:fld id="{E6D5619D-6EEB-4E0C-BC99-84B95D686958}" type="datetimeFigureOut">
               <a:rPr lang="en-IN" smtClean="0"/>
-              <a:t>09-08-2023</a:t>
+              <a:t>15-08-2023</a:t>
             </a:fld>
             <a:endParaRPr lang="en-IN"/>
           </a:p>
@@ -2830,7 +2878,7 @@
           <a:p>
             <a:fld id="{E6D5619D-6EEB-4E0C-BC99-84B95D686958}" type="datetimeFigureOut">
               <a:rPr lang="en-IN" smtClean="0"/>
-              <a:t>09-08-2023</a:t>
+              <a:t>15-08-2023</a:t>
             </a:fld>
             <a:endParaRPr lang="en-IN"/>
           </a:p>
@@ -2943,7 +2991,7 @@
           <a:p>
             <a:fld id="{E6D5619D-6EEB-4E0C-BC99-84B95D686958}" type="datetimeFigureOut">
               <a:rPr lang="en-IN" smtClean="0"/>
-              <a:t>09-08-2023</a:t>
+              <a:t>15-08-2023</a:t>
             </a:fld>
             <a:endParaRPr lang="en-IN"/>
           </a:p>
@@ -3256,7 +3304,7 @@
           <a:p>
             <a:fld id="{E6D5619D-6EEB-4E0C-BC99-84B95D686958}" type="datetimeFigureOut">
               <a:rPr lang="en-IN" smtClean="0"/>
-              <a:t>09-08-2023</a:t>
+              <a:t>15-08-2023</a:t>
             </a:fld>
             <a:endParaRPr lang="en-IN"/>
           </a:p>
@@ -3545,7 +3593,7 @@
           <a:p>
             <a:fld id="{E6D5619D-6EEB-4E0C-BC99-84B95D686958}" type="datetimeFigureOut">
               <a:rPr lang="en-IN" smtClean="0"/>
-              <a:t>09-08-2023</a:t>
+              <a:t>15-08-2023</a:t>
             </a:fld>
             <a:endParaRPr lang="en-IN"/>
           </a:p>
@@ -3788,7 +3836,7 @@
           <a:p>
             <a:fld id="{E6D5619D-6EEB-4E0C-BC99-84B95D686958}" type="datetimeFigureOut">
               <a:rPr lang="en-IN" smtClean="0"/>
-              <a:t>09-08-2023</a:t>
+              <a:t>15-08-2023</a:t>
             </a:fld>
             <a:endParaRPr lang="en-IN"/>
           </a:p>
@@ -10063,6 +10111,214 @@
           </a:extLst>
         </p:spPr>
       </p:pic>
+      <p:pic>
+        <p:nvPicPr>
+          <p:cNvPr id="16" name="Picture 16" descr="Spain - Wikipedia">
+            <a:extLst>
+              <a:ext uri="{FF2B5EF4-FFF2-40B4-BE49-F238E27FC236}">
+                <a16:creationId xmlns:a16="http://schemas.microsoft.com/office/drawing/2014/main" id="{DE13E786-C215-054A-9ECD-DE53B9216127}"/>
+              </a:ext>
+            </a:extLst>
+          </p:cNvPr>
+          <p:cNvPicPr>
+            <a:picLocks noChangeAspect="1" noChangeArrowheads="1"/>
+          </p:cNvPicPr>
+          <p:nvPr/>
+        </p:nvPicPr>
+        <p:blipFill>
+          <a:blip r:embed="rId8">
+            <a:extLst>
+              <a:ext uri="{28A0092B-C50C-407E-A947-70E740481C1C}">
+                <a14:useLocalDpi xmlns:a14="http://schemas.microsoft.com/office/drawing/2010/main" val="0"/>
+              </a:ext>
+            </a:extLst>
+          </a:blip>
+          <a:srcRect/>
+          <a:stretch>
+            <a:fillRect/>
+          </a:stretch>
+        </p:blipFill>
+        <p:spPr bwMode="auto">
+          <a:xfrm>
+            <a:off x="4152565" y="1839970"/>
+            <a:ext cx="919672" cy="612000"/>
+          </a:xfrm>
+          <a:prstGeom prst="rect">
+            <a:avLst/>
+          </a:prstGeom>
+          <a:noFill/>
+          <a:ln>
+            <a:solidFill>
+              <a:schemeClr val="tx1"/>
+            </a:solidFill>
+          </a:ln>
+          <a:extLst>
+            <a:ext uri="{909E8E84-426E-40DD-AFC4-6F175D3DCCD1}">
+              <a14:hiddenFill xmlns:a14="http://schemas.microsoft.com/office/drawing/2010/main">
+                <a:solidFill>
+                  <a:srgbClr val="FFFFFF"/>
+                </a:solidFill>
+              </a14:hiddenFill>
+            </a:ext>
+          </a:extLst>
+        </p:spPr>
+      </p:pic>
+      <p:pic>
+        <p:nvPicPr>
+          <p:cNvPr id="24" name="Picture 34" descr="Flag of Sweden - Wikipedia">
+            <a:extLst>
+              <a:ext uri="{FF2B5EF4-FFF2-40B4-BE49-F238E27FC236}">
+                <a16:creationId xmlns:a16="http://schemas.microsoft.com/office/drawing/2014/main" id="{F4861CC7-CF74-1ADE-2536-01050FD8DD6C}"/>
+              </a:ext>
+            </a:extLst>
+          </p:cNvPr>
+          <p:cNvPicPr>
+            <a:picLocks noChangeAspect="1" noChangeArrowheads="1"/>
+          </p:cNvPicPr>
+          <p:nvPr/>
+        </p:nvPicPr>
+        <p:blipFill>
+          <a:blip r:embed="rId7">
+            <a:extLst>
+              <a:ext uri="{28A0092B-C50C-407E-A947-70E740481C1C}">
+                <a14:useLocalDpi xmlns:a14="http://schemas.microsoft.com/office/drawing/2010/main" val="0"/>
+              </a:ext>
+            </a:extLst>
+          </a:blip>
+          <a:srcRect/>
+          <a:stretch>
+            <a:fillRect/>
+          </a:stretch>
+        </p:blipFill>
+        <p:spPr bwMode="auto">
+          <a:xfrm>
+            <a:off x="4152565" y="4794990"/>
+            <a:ext cx="981966" cy="612000"/>
+          </a:xfrm>
+          <a:prstGeom prst="rect">
+            <a:avLst/>
+          </a:prstGeom>
+          <a:noFill/>
+          <a:ln>
+            <a:solidFill>
+              <a:schemeClr val="tx1"/>
+            </a:solidFill>
+          </a:ln>
+          <a:extLst>
+            <a:ext uri="{909E8E84-426E-40DD-AFC4-6F175D3DCCD1}">
+              <a14:hiddenFill xmlns:a14="http://schemas.microsoft.com/office/drawing/2010/main">
+                <a:solidFill>
+                  <a:srgbClr val="FFFFFF"/>
+                </a:solidFill>
+              </a14:hiddenFill>
+            </a:ext>
+          </a:extLst>
+        </p:spPr>
+      </p:pic>
+      <p:pic>
+        <p:nvPicPr>
+          <p:cNvPr id="25" name="Picture 22" descr="Flag of England - Wikipedia">
+            <a:extLst>
+              <a:ext uri="{FF2B5EF4-FFF2-40B4-BE49-F238E27FC236}">
+                <a16:creationId xmlns:a16="http://schemas.microsoft.com/office/drawing/2014/main" id="{7D51C0EA-ABF6-58F1-6109-63E32A6DAB42}"/>
+              </a:ext>
+            </a:extLst>
+          </p:cNvPr>
+          <p:cNvPicPr>
+            <a:picLocks noChangeAspect="1" noChangeArrowheads="1"/>
+          </p:cNvPicPr>
+          <p:nvPr/>
+        </p:nvPicPr>
+        <p:blipFill>
+          <a:blip r:embed="rId11">
+            <a:extLst>
+              <a:ext uri="{28A0092B-C50C-407E-A947-70E740481C1C}">
+                <a14:useLocalDpi xmlns:a14="http://schemas.microsoft.com/office/drawing/2010/main" val="0"/>
+              </a:ext>
+            </a:extLst>
+          </a:blip>
+          <a:srcRect/>
+          <a:stretch>
+            <a:fillRect/>
+          </a:stretch>
+        </p:blipFill>
+        <p:spPr bwMode="auto">
+          <a:xfrm>
+            <a:off x="7016419" y="1839970"/>
+            <a:ext cx="1020000" cy="612000"/>
+          </a:xfrm>
+          <a:prstGeom prst="rect">
+            <a:avLst/>
+          </a:prstGeom>
+          <a:noFill/>
+          <a:ln>
+            <a:solidFill>
+              <a:schemeClr val="tx1"/>
+            </a:solidFill>
+          </a:ln>
+          <a:extLst>
+            <a:ext uri="{909E8E84-426E-40DD-AFC4-6F175D3DCCD1}">
+              <a14:hiddenFill xmlns:a14="http://schemas.microsoft.com/office/drawing/2010/main">
+                <a:solidFill>
+                  <a:srgbClr val="FFFFFF"/>
+                </a:solidFill>
+              </a14:hiddenFill>
+            </a:ext>
+          </a:extLst>
+        </p:spPr>
+      </p:pic>
+      <p:pic>
+        <p:nvPicPr>
+          <p:cNvPr id="26" name="Picture 12" descr="Australia - Wikipedia">
+            <a:extLst>
+              <a:ext uri="{FF2B5EF4-FFF2-40B4-BE49-F238E27FC236}">
+                <a16:creationId xmlns:a16="http://schemas.microsoft.com/office/drawing/2014/main" id="{22C3DC24-6884-A9BE-1D3D-0ABC6B0C3535}"/>
+              </a:ext>
+            </a:extLst>
+          </p:cNvPr>
+          <p:cNvPicPr>
+            <a:picLocks noChangeAspect="1" noChangeArrowheads="1"/>
+          </p:cNvPicPr>
+          <p:nvPr/>
+        </p:nvPicPr>
+        <p:blipFill>
+          <a:blip r:embed="rId19">
+            <a:extLst>
+              <a:ext uri="{28A0092B-C50C-407E-A947-70E740481C1C}">
+                <a14:useLocalDpi xmlns:a14="http://schemas.microsoft.com/office/drawing/2010/main" val="0"/>
+              </a:ext>
+            </a:extLst>
+          </a:blip>
+          <a:srcRect/>
+          <a:stretch>
+            <a:fillRect/>
+          </a:stretch>
+        </p:blipFill>
+        <p:spPr bwMode="auto">
+          <a:xfrm>
+            <a:off x="6812420" y="4794990"/>
+            <a:ext cx="1223999" cy="612000"/>
+          </a:xfrm>
+          <a:prstGeom prst="rect">
+            <a:avLst/>
+          </a:prstGeom>
+          <a:noFill/>
+          <a:ln>
+            <a:solidFill>
+              <a:schemeClr val="tx1"/>
+            </a:solidFill>
+          </a:ln>
+          <a:extLst>
+            <a:ext uri="{909E8E84-426E-40DD-AFC4-6F175D3DCCD1}">
+              <a14:hiddenFill xmlns:a14="http://schemas.microsoft.com/office/drawing/2010/main">
+                <a:solidFill>
+                  <a:srgbClr val="FFFFFF"/>
+                </a:solidFill>
+              </a14:hiddenFill>
+            </a:ext>
+          </a:extLst>
+        </p:spPr>
+      </p:pic>
     </p:spTree>
     <p:extLst>
       <p:ext uri="{BB962C8B-B14F-4D97-AF65-F5344CB8AC3E}">
@@ -11876,6 +12132,36 @@
           </a:prstGeom>
         </p:spPr>
       </p:pic>
+      <p:pic>
+        <p:nvPicPr>
+          <p:cNvPr id="12" name="Picture 11">
+            <a:extLst>
+              <a:ext uri="{FF2B5EF4-FFF2-40B4-BE49-F238E27FC236}">
+                <a16:creationId xmlns:a16="http://schemas.microsoft.com/office/drawing/2014/main" id="{BD35F73F-1FA7-17BD-8EA9-B4EA8E0E150D}"/>
+              </a:ext>
+            </a:extLst>
+          </p:cNvPr>
+          <p:cNvPicPr>
+            <a:picLocks noChangeAspect="1"/>
+          </p:cNvPicPr>
+          <p:nvPr/>
+        </p:nvPicPr>
+        <p:blipFill>
+          <a:blip r:embed="rId8"/>
+          <a:stretch>
+            <a:fillRect/>
+          </a:stretch>
+        </p:blipFill>
+        <p:spPr>
+          <a:xfrm>
+            <a:off x="3504936" y="2171551"/>
+            <a:ext cx="6096528" cy="3429297"/>
+          </a:xfrm>
+          <a:prstGeom prst="rect">
+            <a:avLst/>
+          </a:prstGeom>
+        </p:spPr>
+      </p:pic>
     </p:spTree>
     <p:extLst>
       <p:ext uri="{BB962C8B-B14F-4D97-AF65-F5344CB8AC3E}">

--- a/Appendix/Bracket.pptx
+++ b/Appendix/Bracket.pptx
@@ -119,7 +119,7 @@
 <file path=ppt/revisionInfo.xml><?xml version="1.0" encoding="utf-8"?>
 <p1510:revInfo xmlns:a="http://schemas.openxmlformats.org/drawingml/2006/main" xmlns:r="http://schemas.openxmlformats.org/officeDocument/2006/relationships" xmlns:p1510="http://schemas.microsoft.com/office/powerpoint/2015/10/main">
   <p1510:revLst>
-    <p1510:client id="{FC1E8CA4-A29E-465C-A5E2-23D3F82D44AC}" v="237" dt="2023-08-15T18:24:07.721"/>
+    <p1510:client id="{FC1E8CA4-A29E-465C-A5E2-23D3F82D44AC}" v="254" dt="2023-08-16T15:16:39.778"/>
   </p1510:revLst>
 </p1510:revInfo>
 </file>
@@ -129,7 +129,7 @@
   <pc:docChgLst>
     <pc:chgData name="Gowtham Senthilkumar" userId="7cc18b5ff11cdd95" providerId="LiveId" clId="{FC1E8CA4-A29E-465C-A5E2-23D3F82D44AC}"/>
     <pc:docChg chg="addSld delSld modSld sldOrd">
-      <pc:chgData name="Gowtham Senthilkumar" userId="7cc18b5ff11cdd95" providerId="LiveId" clId="{FC1E8CA4-A29E-465C-A5E2-23D3F82D44AC}" dt="2023-08-15T18:24:07.720" v="238"/>
+      <pc:chgData name="Gowtham Senthilkumar" userId="7cc18b5ff11cdd95" providerId="LiveId" clId="{FC1E8CA4-A29E-465C-A5E2-23D3F82D44AC}" dt="2023-08-16T15:16:39.778" v="255"/>
       <pc:docMkLst>
         <pc:docMk/>
       </pc:docMkLst>
@@ -484,7 +484,7 @@
         </pc:picChg>
       </pc:sldChg>
       <pc:sldChg chg="addSp modSp add">
-        <pc:chgData name="Gowtham Senthilkumar" userId="7cc18b5ff11cdd95" providerId="LiveId" clId="{FC1E8CA4-A29E-465C-A5E2-23D3F82D44AC}" dt="2023-08-15T18:24:07.720" v="238"/>
+        <pc:chgData name="Gowtham Senthilkumar" userId="7cc18b5ff11cdd95" providerId="LiveId" clId="{FC1E8CA4-A29E-465C-A5E2-23D3F82D44AC}" dt="2023-08-16T15:16:39.778" v="255"/>
         <pc:sldMkLst>
           <pc:docMk/>
           <pc:sldMk cId="2175164659" sldId="259"/>
@@ -519,6 +519,14 @@
             <pc:docMk/>
             <pc:sldMk cId="2175164659" sldId="259"/>
             <ac:picMk id="12" creationId="{BD35F73F-1FA7-17BD-8EA9-B4EA8E0E150D}"/>
+          </ac:picMkLst>
+        </pc:picChg>
+        <pc:picChg chg="add mod">
+          <ac:chgData name="Gowtham Senthilkumar" userId="7cc18b5ff11cdd95" providerId="LiveId" clId="{FC1E8CA4-A29E-465C-A5E2-23D3F82D44AC}" dt="2023-08-16T15:16:39.778" v="255"/>
+          <ac:picMkLst>
+            <pc:docMk/>
+            <pc:sldMk cId="2175164659" sldId="259"/>
+            <ac:picMk id="13" creationId="{167FDE2C-9B68-37E4-DBF8-90DFC75BB476}"/>
           </ac:picMkLst>
         </pc:picChg>
       </pc:sldChg>
@@ -880,7 +888,7 @@
         </pc:sldMkLst>
       </pc:sldChg>
       <pc:sldChg chg="addSp delSp modSp add ord">
-        <pc:chgData name="Gowtham Senthilkumar" userId="7cc18b5ff11cdd95" providerId="LiveId" clId="{FC1E8CA4-A29E-465C-A5E2-23D3F82D44AC}" dt="2023-08-15T18:23:57.440" v="237" actId="478"/>
+        <pc:chgData name="Gowtham Senthilkumar" userId="7cc18b5ff11cdd95" providerId="LiveId" clId="{FC1E8CA4-A29E-465C-A5E2-23D3F82D44AC}" dt="2023-08-16T15:16:25.919" v="254" actId="1076"/>
         <pc:sldMkLst>
           <pc:docMk/>
           <pc:sldMk cId="1003273112" sldId="261"/>
@@ -1005,6 +1013,30 @@
             <ac:picMk id="27" creationId="{02B01402-483F-3560-F5BD-4995EE07C238}"/>
           </ac:picMkLst>
         </pc:picChg>
+        <pc:picChg chg="add mod">
+          <ac:chgData name="Gowtham Senthilkumar" userId="7cc18b5ff11cdd95" providerId="LiveId" clId="{FC1E8CA4-A29E-465C-A5E2-23D3F82D44AC}" dt="2023-08-16T15:16:14.572" v="253" actId="1076"/>
+          <ac:picMkLst>
+            <pc:docMk/>
+            <pc:sldMk cId="1003273112" sldId="261"/>
+            <ac:picMk id="27" creationId="{7BDED412-7759-35F8-686F-53576FDAF062}"/>
+          </ac:picMkLst>
+        </pc:picChg>
+        <pc:picChg chg="add del mod">
+          <ac:chgData name="Gowtham Senthilkumar" userId="7cc18b5ff11cdd95" providerId="LiveId" clId="{FC1E8CA4-A29E-465C-A5E2-23D3F82D44AC}" dt="2023-08-16T15:15:16.964" v="242"/>
+          <ac:picMkLst>
+            <pc:docMk/>
+            <pc:sldMk cId="1003273112" sldId="261"/>
+            <ac:picMk id="28" creationId="{88C3BCC8-6D0C-EC63-4B76-A2F6B3516308}"/>
+          </ac:picMkLst>
+        </pc:picChg>
+        <pc:picChg chg="add mod">
+          <ac:chgData name="Gowtham Senthilkumar" userId="7cc18b5ff11cdd95" providerId="LiveId" clId="{FC1E8CA4-A29E-465C-A5E2-23D3F82D44AC}" dt="2023-08-16T15:16:25.919" v="254" actId="1076"/>
+          <ac:picMkLst>
+            <pc:docMk/>
+            <pc:sldMk cId="1003273112" sldId="261"/>
+            <ac:picMk id="29" creationId="{256537B0-5157-AE16-0435-007E77EB75A3}"/>
+          </ac:picMkLst>
+        </pc:picChg>
       </pc:sldChg>
       <pc:sldChg chg="add del">
         <pc:chgData name="Gowtham Senthilkumar" userId="7cc18b5ff11cdd95" providerId="LiveId" clId="{FC1E8CA4-A29E-465C-A5E2-23D3F82D44AC}" dt="2023-08-09T18:51:19.314" v="216"/>
@@ -1167,7 +1199,7 @@
           <a:p>
             <a:fld id="{E6D5619D-6EEB-4E0C-BC99-84B95D686958}" type="datetimeFigureOut">
               <a:rPr lang="en-IN" smtClean="0"/>
-              <a:t>15-08-2023</a:t>
+              <a:t>16-08-2023</a:t>
             </a:fld>
             <a:endParaRPr lang="en-IN"/>
           </a:p>
@@ -1367,7 +1399,7 @@
           <a:p>
             <a:fld id="{E6D5619D-6EEB-4E0C-BC99-84B95D686958}" type="datetimeFigureOut">
               <a:rPr lang="en-IN" smtClean="0"/>
-              <a:t>15-08-2023</a:t>
+              <a:t>16-08-2023</a:t>
             </a:fld>
             <a:endParaRPr lang="en-IN"/>
           </a:p>
@@ -1577,7 +1609,7 @@
           <a:p>
             <a:fld id="{E6D5619D-6EEB-4E0C-BC99-84B95D686958}" type="datetimeFigureOut">
               <a:rPr lang="en-IN" smtClean="0"/>
-              <a:t>15-08-2023</a:t>
+              <a:t>16-08-2023</a:t>
             </a:fld>
             <a:endParaRPr lang="en-IN"/>
           </a:p>
@@ -1777,7 +1809,7 @@
           <a:p>
             <a:fld id="{E6D5619D-6EEB-4E0C-BC99-84B95D686958}" type="datetimeFigureOut">
               <a:rPr lang="en-IN" smtClean="0"/>
-              <a:t>15-08-2023</a:t>
+              <a:t>16-08-2023</a:t>
             </a:fld>
             <a:endParaRPr lang="en-IN"/>
           </a:p>
@@ -2053,7 +2085,7 @@
           <a:p>
             <a:fld id="{E6D5619D-6EEB-4E0C-BC99-84B95D686958}" type="datetimeFigureOut">
               <a:rPr lang="en-IN" smtClean="0"/>
-              <a:t>15-08-2023</a:t>
+              <a:t>16-08-2023</a:t>
             </a:fld>
             <a:endParaRPr lang="en-IN"/>
           </a:p>
@@ -2321,7 +2353,7 @@
           <a:p>
             <a:fld id="{E6D5619D-6EEB-4E0C-BC99-84B95D686958}" type="datetimeFigureOut">
               <a:rPr lang="en-IN" smtClean="0"/>
-              <a:t>15-08-2023</a:t>
+              <a:t>16-08-2023</a:t>
             </a:fld>
             <a:endParaRPr lang="en-IN"/>
           </a:p>
@@ -2736,7 +2768,7 @@
           <a:p>
             <a:fld id="{E6D5619D-6EEB-4E0C-BC99-84B95D686958}" type="datetimeFigureOut">
               <a:rPr lang="en-IN" smtClean="0"/>
-              <a:t>15-08-2023</a:t>
+              <a:t>16-08-2023</a:t>
             </a:fld>
             <a:endParaRPr lang="en-IN"/>
           </a:p>
@@ -2878,7 +2910,7 @@
           <a:p>
             <a:fld id="{E6D5619D-6EEB-4E0C-BC99-84B95D686958}" type="datetimeFigureOut">
               <a:rPr lang="en-IN" smtClean="0"/>
-              <a:t>15-08-2023</a:t>
+              <a:t>16-08-2023</a:t>
             </a:fld>
             <a:endParaRPr lang="en-IN"/>
           </a:p>
@@ -2991,7 +3023,7 @@
           <a:p>
             <a:fld id="{E6D5619D-6EEB-4E0C-BC99-84B95D686958}" type="datetimeFigureOut">
               <a:rPr lang="en-IN" smtClean="0"/>
-              <a:t>15-08-2023</a:t>
+              <a:t>16-08-2023</a:t>
             </a:fld>
             <a:endParaRPr lang="en-IN"/>
           </a:p>
@@ -3304,7 +3336,7 @@
           <a:p>
             <a:fld id="{E6D5619D-6EEB-4E0C-BC99-84B95D686958}" type="datetimeFigureOut">
               <a:rPr lang="en-IN" smtClean="0"/>
-              <a:t>15-08-2023</a:t>
+              <a:t>16-08-2023</a:t>
             </a:fld>
             <a:endParaRPr lang="en-IN"/>
           </a:p>
@@ -3593,7 +3625,7 @@
           <a:p>
             <a:fld id="{E6D5619D-6EEB-4E0C-BC99-84B95D686958}" type="datetimeFigureOut">
               <a:rPr lang="en-IN" smtClean="0"/>
-              <a:t>15-08-2023</a:t>
+              <a:t>16-08-2023</a:t>
             </a:fld>
             <a:endParaRPr lang="en-IN"/>
           </a:p>
@@ -3836,7 +3868,7 @@
           <a:p>
             <a:fld id="{E6D5619D-6EEB-4E0C-BC99-84B95D686958}" type="datetimeFigureOut">
               <a:rPr lang="en-IN" smtClean="0"/>
-              <a:t>15-08-2023</a:t>
+              <a:t>16-08-2023</a:t>
             </a:fld>
             <a:endParaRPr lang="en-IN"/>
           </a:p>
@@ -10319,6 +10351,110 @@
           </a:extLst>
         </p:spPr>
       </p:pic>
+      <p:pic>
+        <p:nvPicPr>
+          <p:cNvPr id="27" name="Picture 16" descr="Spain - Wikipedia">
+            <a:extLst>
+              <a:ext uri="{FF2B5EF4-FFF2-40B4-BE49-F238E27FC236}">
+                <a16:creationId xmlns:a16="http://schemas.microsoft.com/office/drawing/2014/main" id="{7BDED412-7759-35F8-686F-53576FDAF062}"/>
+              </a:ext>
+            </a:extLst>
+          </p:cNvPr>
+          <p:cNvPicPr>
+            <a:picLocks noChangeAspect="1" noChangeArrowheads="1"/>
+          </p:cNvPicPr>
+          <p:nvPr/>
+        </p:nvPicPr>
+        <p:blipFill>
+          <a:blip r:embed="rId8">
+            <a:extLst>
+              <a:ext uri="{28A0092B-C50C-407E-A947-70E740481C1C}">
+                <a14:useLocalDpi xmlns:a14="http://schemas.microsoft.com/office/drawing/2010/main" val="0"/>
+              </a:ext>
+            </a:extLst>
+          </a:blip>
+          <a:srcRect/>
+          <a:stretch>
+            <a:fillRect/>
+          </a:stretch>
+        </p:blipFill>
+        <p:spPr bwMode="auto">
+          <a:xfrm>
+            <a:off x="4355872" y="3291815"/>
+            <a:ext cx="1027868" cy="684000"/>
+          </a:xfrm>
+          <a:prstGeom prst="rect">
+            <a:avLst/>
+          </a:prstGeom>
+          <a:noFill/>
+          <a:ln>
+            <a:solidFill>
+              <a:schemeClr val="tx1"/>
+            </a:solidFill>
+          </a:ln>
+          <a:extLst>
+            <a:ext uri="{909E8E84-426E-40DD-AFC4-6F175D3DCCD1}">
+              <a14:hiddenFill xmlns:a14="http://schemas.microsoft.com/office/drawing/2010/main">
+                <a:solidFill>
+                  <a:srgbClr val="FFFFFF"/>
+                </a:solidFill>
+              </a14:hiddenFill>
+            </a:ext>
+          </a:extLst>
+        </p:spPr>
+      </p:pic>
+      <p:pic>
+        <p:nvPicPr>
+          <p:cNvPr id="29" name="Picture 22" descr="Flag of England - Wikipedia">
+            <a:extLst>
+              <a:ext uri="{FF2B5EF4-FFF2-40B4-BE49-F238E27FC236}">
+                <a16:creationId xmlns:a16="http://schemas.microsoft.com/office/drawing/2014/main" id="{256537B0-5157-AE16-0435-007E77EB75A3}"/>
+              </a:ext>
+            </a:extLst>
+          </p:cNvPr>
+          <p:cNvPicPr>
+            <a:picLocks noChangeAspect="1" noChangeArrowheads="1"/>
+          </p:cNvPicPr>
+          <p:nvPr/>
+        </p:nvPicPr>
+        <p:blipFill>
+          <a:blip r:embed="rId11">
+            <a:extLst>
+              <a:ext uri="{28A0092B-C50C-407E-A947-70E740481C1C}">
+                <a14:useLocalDpi xmlns:a14="http://schemas.microsoft.com/office/drawing/2010/main" val="0"/>
+              </a:ext>
+            </a:extLst>
+          </a:blip>
+          <a:srcRect/>
+          <a:stretch>
+            <a:fillRect/>
+          </a:stretch>
+        </p:blipFill>
+        <p:spPr bwMode="auto">
+          <a:xfrm>
+            <a:off x="6803633" y="3281480"/>
+            <a:ext cx="1140000" cy="684000"/>
+          </a:xfrm>
+          <a:prstGeom prst="rect">
+            <a:avLst/>
+          </a:prstGeom>
+          <a:noFill/>
+          <a:ln>
+            <a:solidFill>
+              <a:schemeClr val="tx1"/>
+            </a:solidFill>
+          </a:ln>
+          <a:extLst>
+            <a:ext uri="{909E8E84-426E-40DD-AFC4-6F175D3DCCD1}">
+              <a14:hiddenFill xmlns:a14="http://schemas.microsoft.com/office/drawing/2010/main">
+                <a:solidFill>
+                  <a:srgbClr val="FFFFFF"/>
+                </a:solidFill>
+              </a14:hiddenFill>
+            </a:ext>
+          </a:extLst>
+        </p:spPr>
+      </p:pic>
     </p:spTree>
     <p:extLst>
       <p:ext uri="{BB962C8B-B14F-4D97-AF65-F5344CB8AC3E}">
@@ -12162,6 +12298,36 @@
           </a:prstGeom>
         </p:spPr>
       </p:pic>
+      <p:pic>
+        <p:nvPicPr>
+          <p:cNvPr id="13" name="Picture 12">
+            <a:extLst>
+              <a:ext uri="{FF2B5EF4-FFF2-40B4-BE49-F238E27FC236}">
+                <a16:creationId xmlns:a16="http://schemas.microsoft.com/office/drawing/2014/main" id="{167FDE2C-9B68-37E4-DBF8-90DFC75BB476}"/>
+              </a:ext>
+            </a:extLst>
+          </p:cNvPr>
+          <p:cNvPicPr>
+            <a:picLocks noChangeAspect="1"/>
+          </p:cNvPicPr>
+          <p:nvPr/>
+        </p:nvPicPr>
+        <p:blipFill>
+          <a:blip r:embed="rId9"/>
+          <a:stretch>
+            <a:fillRect/>
+          </a:stretch>
+        </p:blipFill>
+        <p:spPr>
+          <a:xfrm>
+            <a:off x="3657336" y="2323951"/>
+            <a:ext cx="6096528" cy="3429297"/>
+          </a:xfrm>
+          <a:prstGeom prst="rect">
+            <a:avLst/>
+          </a:prstGeom>
+        </p:spPr>
+      </p:pic>
     </p:spTree>
     <p:extLst>
       <p:ext uri="{BB962C8B-B14F-4D97-AF65-F5344CB8AC3E}">

--- a/Appendix/Bracket.pptx
+++ b/Appendix/Bracket.pptx
@@ -119,7 +119,7 @@
 <file path=ppt/revisionInfo.xml><?xml version="1.0" encoding="utf-8"?>
 <p1510:revInfo xmlns:a="http://schemas.openxmlformats.org/drawingml/2006/main" xmlns:r="http://schemas.openxmlformats.org/officeDocument/2006/relationships" xmlns:p1510="http://schemas.microsoft.com/office/powerpoint/2015/10/main">
   <p1510:revLst>
-    <p1510:client id="{FC1E8CA4-A29E-465C-A5E2-23D3F82D44AC}" v="254" dt="2023-08-16T15:16:39.778"/>
+    <p1510:client id="{FC1E8CA4-A29E-465C-A5E2-23D3F82D44AC}" v="259" dt="2023-08-21T17:55:28.222"/>
   </p1510:revLst>
 </p1510:revInfo>
 </file>
@@ -129,7 +129,7 @@
   <pc:docChgLst>
     <pc:chgData name="Gowtham Senthilkumar" userId="7cc18b5ff11cdd95" providerId="LiveId" clId="{FC1E8CA4-A29E-465C-A5E2-23D3F82D44AC}"/>
     <pc:docChg chg="addSld delSld modSld sldOrd">
-      <pc:chgData name="Gowtham Senthilkumar" userId="7cc18b5ff11cdd95" providerId="LiveId" clId="{FC1E8CA4-A29E-465C-A5E2-23D3F82D44AC}" dt="2023-08-16T15:16:39.778" v="255"/>
+      <pc:chgData name="Gowtham Senthilkumar" userId="7cc18b5ff11cdd95" providerId="LiveId" clId="{FC1E8CA4-A29E-465C-A5E2-23D3F82D44AC}" dt="2023-08-21T17:55:28.222" v="260"/>
       <pc:docMkLst>
         <pc:docMk/>
       </pc:docMkLst>
@@ -484,7 +484,7 @@
         </pc:picChg>
       </pc:sldChg>
       <pc:sldChg chg="addSp modSp add">
-        <pc:chgData name="Gowtham Senthilkumar" userId="7cc18b5ff11cdd95" providerId="LiveId" clId="{FC1E8CA4-A29E-465C-A5E2-23D3F82D44AC}" dt="2023-08-16T15:16:39.778" v="255"/>
+        <pc:chgData name="Gowtham Senthilkumar" userId="7cc18b5ff11cdd95" providerId="LiveId" clId="{FC1E8CA4-A29E-465C-A5E2-23D3F82D44AC}" dt="2023-08-21T17:55:28.222" v="260"/>
         <pc:sldMkLst>
           <pc:docMk/>
           <pc:sldMk cId="2175164659" sldId="259"/>
@@ -527,6 +527,14 @@
             <pc:docMk/>
             <pc:sldMk cId="2175164659" sldId="259"/>
             <ac:picMk id="13" creationId="{167FDE2C-9B68-37E4-DBF8-90DFC75BB476}"/>
+          </ac:picMkLst>
+        </pc:picChg>
+        <pc:picChg chg="add mod">
+          <ac:chgData name="Gowtham Senthilkumar" userId="7cc18b5ff11cdd95" providerId="LiveId" clId="{FC1E8CA4-A29E-465C-A5E2-23D3F82D44AC}" dt="2023-08-21T17:55:28.222" v="260"/>
+          <ac:picMkLst>
+            <pc:docMk/>
+            <pc:sldMk cId="2175164659" sldId="259"/>
+            <ac:picMk id="14" creationId="{7A883133-5A69-C39D-5FE1-B1677538E194}"/>
           </ac:picMkLst>
         </pc:picChg>
       </pc:sldChg>
@@ -888,7 +896,7 @@
         </pc:sldMkLst>
       </pc:sldChg>
       <pc:sldChg chg="addSp delSp modSp add ord">
-        <pc:chgData name="Gowtham Senthilkumar" userId="7cc18b5ff11cdd95" providerId="LiveId" clId="{FC1E8CA4-A29E-465C-A5E2-23D3F82D44AC}" dt="2023-08-16T15:16:25.919" v="254" actId="1076"/>
+        <pc:chgData name="Gowtham Senthilkumar" userId="7cc18b5ff11cdd95" providerId="LiveId" clId="{FC1E8CA4-A29E-465C-A5E2-23D3F82D44AC}" dt="2023-08-21T17:55:13.184" v="259" actId="1076"/>
         <pc:sldMkLst>
           <pc:docMk/>
           <pc:sldMk cId="1003273112" sldId="261"/>
@@ -1021,6 +1029,14 @@
             <ac:picMk id="27" creationId="{7BDED412-7759-35F8-686F-53576FDAF062}"/>
           </ac:picMkLst>
         </pc:picChg>
+        <pc:picChg chg="add mod">
+          <ac:chgData name="Gowtham Senthilkumar" userId="7cc18b5ff11cdd95" providerId="LiveId" clId="{FC1E8CA4-A29E-465C-A5E2-23D3F82D44AC}" dt="2023-08-21T17:55:13.184" v="259" actId="1076"/>
+          <ac:picMkLst>
+            <pc:docMk/>
+            <pc:sldMk cId="1003273112" sldId="261"/>
+            <ac:picMk id="28" creationId="{2254D5C3-3990-DF6B-2CFF-4695530C5A18}"/>
+          </ac:picMkLst>
+        </pc:picChg>
         <pc:picChg chg="add del mod">
           <ac:chgData name="Gowtham Senthilkumar" userId="7cc18b5ff11cdd95" providerId="LiveId" clId="{FC1E8CA4-A29E-465C-A5E2-23D3F82D44AC}" dt="2023-08-16T15:15:16.964" v="242"/>
           <ac:picMkLst>
@@ -1199,7 +1215,7 @@
           <a:p>
             <a:fld id="{E6D5619D-6EEB-4E0C-BC99-84B95D686958}" type="datetimeFigureOut">
               <a:rPr lang="en-IN" smtClean="0"/>
-              <a:t>16-08-2023</a:t>
+              <a:t>21-08-2023</a:t>
             </a:fld>
             <a:endParaRPr lang="en-IN"/>
           </a:p>
@@ -1399,7 +1415,7 @@
           <a:p>
             <a:fld id="{E6D5619D-6EEB-4E0C-BC99-84B95D686958}" type="datetimeFigureOut">
               <a:rPr lang="en-IN" smtClean="0"/>
-              <a:t>16-08-2023</a:t>
+              <a:t>21-08-2023</a:t>
             </a:fld>
             <a:endParaRPr lang="en-IN"/>
           </a:p>
@@ -1609,7 +1625,7 @@
           <a:p>
             <a:fld id="{E6D5619D-6EEB-4E0C-BC99-84B95D686958}" type="datetimeFigureOut">
               <a:rPr lang="en-IN" smtClean="0"/>
-              <a:t>16-08-2023</a:t>
+              <a:t>21-08-2023</a:t>
             </a:fld>
             <a:endParaRPr lang="en-IN"/>
           </a:p>
@@ -1809,7 +1825,7 @@
           <a:p>
             <a:fld id="{E6D5619D-6EEB-4E0C-BC99-84B95D686958}" type="datetimeFigureOut">
               <a:rPr lang="en-IN" smtClean="0"/>
-              <a:t>16-08-2023</a:t>
+              <a:t>21-08-2023</a:t>
             </a:fld>
             <a:endParaRPr lang="en-IN"/>
           </a:p>
@@ -2085,7 +2101,7 @@
           <a:p>
             <a:fld id="{E6D5619D-6EEB-4E0C-BC99-84B95D686958}" type="datetimeFigureOut">
               <a:rPr lang="en-IN" smtClean="0"/>
-              <a:t>16-08-2023</a:t>
+              <a:t>21-08-2023</a:t>
             </a:fld>
             <a:endParaRPr lang="en-IN"/>
           </a:p>
@@ -2353,7 +2369,7 @@
           <a:p>
             <a:fld id="{E6D5619D-6EEB-4E0C-BC99-84B95D686958}" type="datetimeFigureOut">
               <a:rPr lang="en-IN" smtClean="0"/>
-              <a:t>16-08-2023</a:t>
+              <a:t>21-08-2023</a:t>
             </a:fld>
             <a:endParaRPr lang="en-IN"/>
           </a:p>
@@ -2768,7 +2784,7 @@
           <a:p>
             <a:fld id="{E6D5619D-6EEB-4E0C-BC99-84B95D686958}" type="datetimeFigureOut">
               <a:rPr lang="en-IN" smtClean="0"/>
-              <a:t>16-08-2023</a:t>
+              <a:t>21-08-2023</a:t>
             </a:fld>
             <a:endParaRPr lang="en-IN"/>
           </a:p>
@@ -2910,7 +2926,7 @@
           <a:p>
             <a:fld id="{E6D5619D-6EEB-4E0C-BC99-84B95D686958}" type="datetimeFigureOut">
               <a:rPr lang="en-IN" smtClean="0"/>
-              <a:t>16-08-2023</a:t>
+              <a:t>21-08-2023</a:t>
             </a:fld>
             <a:endParaRPr lang="en-IN"/>
           </a:p>
@@ -3023,7 +3039,7 @@
           <a:p>
             <a:fld id="{E6D5619D-6EEB-4E0C-BC99-84B95D686958}" type="datetimeFigureOut">
               <a:rPr lang="en-IN" smtClean="0"/>
-              <a:t>16-08-2023</a:t>
+              <a:t>21-08-2023</a:t>
             </a:fld>
             <a:endParaRPr lang="en-IN"/>
           </a:p>
@@ -3336,7 +3352,7 @@
           <a:p>
             <a:fld id="{E6D5619D-6EEB-4E0C-BC99-84B95D686958}" type="datetimeFigureOut">
               <a:rPr lang="en-IN" smtClean="0"/>
-              <a:t>16-08-2023</a:t>
+              <a:t>21-08-2023</a:t>
             </a:fld>
             <a:endParaRPr lang="en-IN"/>
           </a:p>
@@ -3625,7 +3641,7 @@
           <a:p>
             <a:fld id="{E6D5619D-6EEB-4E0C-BC99-84B95D686958}" type="datetimeFigureOut">
               <a:rPr lang="en-IN" smtClean="0"/>
-              <a:t>16-08-2023</a:t>
+              <a:t>21-08-2023</a:t>
             </a:fld>
             <a:endParaRPr lang="en-IN"/>
           </a:p>
@@ -3868,7 +3884,7 @@
           <a:p>
             <a:fld id="{E6D5619D-6EEB-4E0C-BC99-84B95D686958}" type="datetimeFigureOut">
               <a:rPr lang="en-IN" smtClean="0"/>
-              <a:t>16-08-2023</a:t>
+              <a:t>21-08-2023</a:t>
             </a:fld>
             <a:endParaRPr lang="en-IN"/>
           </a:p>
@@ -10455,6 +10471,58 @@
           </a:extLst>
         </p:spPr>
       </p:pic>
+      <p:pic>
+        <p:nvPicPr>
+          <p:cNvPr id="28" name="Picture 16" descr="Spain - Wikipedia">
+            <a:extLst>
+              <a:ext uri="{FF2B5EF4-FFF2-40B4-BE49-F238E27FC236}">
+                <a16:creationId xmlns:a16="http://schemas.microsoft.com/office/drawing/2014/main" id="{2254D5C3-3990-DF6B-2CFF-4695530C5A18}"/>
+              </a:ext>
+            </a:extLst>
+          </p:cNvPr>
+          <p:cNvPicPr>
+            <a:picLocks noChangeAspect="1" noChangeArrowheads="1"/>
+          </p:cNvPicPr>
+          <p:nvPr/>
+        </p:nvPicPr>
+        <p:blipFill>
+          <a:blip r:embed="rId8">
+            <a:extLst>
+              <a:ext uri="{28A0092B-C50C-407E-A947-70E740481C1C}">
+                <a14:useLocalDpi xmlns:a14="http://schemas.microsoft.com/office/drawing/2010/main" val="0"/>
+              </a:ext>
+            </a:extLst>
+          </a:blip>
+          <a:srcRect/>
+          <a:stretch>
+            <a:fillRect/>
+          </a:stretch>
+        </p:blipFill>
+        <p:spPr bwMode="auto">
+          <a:xfrm>
+            <a:off x="5489229" y="3227899"/>
+            <a:ext cx="1208913" cy="804477"/>
+          </a:xfrm>
+          <a:prstGeom prst="rect">
+            <a:avLst/>
+          </a:prstGeom>
+          <a:noFill/>
+          <a:ln>
+            <a:solidFill>
+              <a:schemeClr val="tx1"/>
+            </a:solidFill>
+          </a:ln>
+          <a:extLst>
+            <a:ext uri="{909E8E84-426E-40DD-AFC4-6F175D3DCCD1}">
+              <a14:hiddenFill xmlns:a14="http://schemas.microsoft.com/office/drawing/2010/main">
+                <a:solidFill>
+                  <a:srgbClr val="FFFFFF"/>
+                </a:solidFill>
+              </a14:hiddenFill>
+            </a:ext>
+          </a:extLst>
+        </p:spPr>
+      </p:pic>
     </p:spTree>
     <p:extLst>
       <p:ext uri="{BB962C8B-B14F-4D97-AF65-F5344CB8AC3E}">
@@ -12328,6 +12396,36 @@
           </a:prstGeom>
         </p:spPr>
       </p:pic>
+      <p:pic>
+        <p:nvPicPr>
+          <p:cNvPr id="14" name="Picture 13">
+            <a:extLst>
+              <a:ext uri="{FF2B5EF4-FFF2-40B4-BE49-F238E27FC236}">
+                <a16:creationId xmlns:a16="http://schemas.microsoft.com/office/drawing/2014/main" id="{7A883133-5A69-C39D-5FE1-B1677538E194}"/>
+              </a:ext>
+            </a:extLst>
+          </p:cNvPr>
+          <p:cNvPicPr>
+            <a:picLocks noChangeAspect="1"/>
+          </p:cNvPicPr>
+          <p:nvPr/>
+        </p:nvPicPr>
+        <p:blipFill>
+          <a:blip r:embed="rId10"/>
+          <a:stretch>
+            <a:fillRect/>
+          </a:stretch>
+        </p:blipFill>
+        <p:spPr>
+          <a:xfrm>
+            <a:off x="3809736" y="2476351"/>
+            <a:ext cx="6096528" cy="3429297"/>
+          </a:xfrm>
+          <a:prstGeom prst="rect">
+            <a:avLst/>
+          </a:prstGeom>
+        </p:spPr>
+      </p:pic>
     </p:spTree>
     <p:extLst>
       <p:ext uri="{BB962C8B-B14F-4D97-AF65-F5344CB8AC3E}">
